--- a/zzz_2nd_teamproject/신치윤/문서/0418.DFD.pptx
+++ b/zzz_2nd_teamproject/신치윤/문서/0418.DFD.pptx
@@ -7,9 +7,11 @@
   <p:sldIdLst>
     <p:sldId id="256" r:id="rId2"/>
     <p:sldId id="259" r:id="rId3"/>
-    <p:sldId id="258" r:id="rId4"/>
-    <p:sldId id="260" r:id="rId5"/>
-    <p:sldId id="261" r:id="rId6"/>
+    <p:sldId id="262" r:id="rId4"/>
+    <p:sldId id="263" r:id="rId5"/>
+    <p:sldId id="258" r:id="rId6"/>
+    <p:sldId id="260" r:id="rId7"/>
+    <p:sldId id="261" r:id="rId8"/>
   </p:sldIdLst>
   <p:sldSz cx="9144000" cy="6858000" type="screen4x3"/>
   <p:notesSz cx="6858000" cy="9144000"/>
@@ -308,7 +310,7 @@
           <a:p>
             <a:fld id="{D260C17A-9920-4DAC-BC30-17815B2EA0DC}" type="datetimeFigureOut">
               <a:rPr lang="ko-KR" altLang="en-US" smtClean="0"/>
-              <a:t>2022-07-28</a:t>
+              <a:t>2023-04-28</a:t>
             </a:fld>
             <a:endParaRPr lang="ko-KR" altLang="en-US"/>
           </a:p>
@@ -478,7 +480,7 @@
           <a:p>
             <a:fld id="{D260C17A-9920-4DAC-BC30-17815B2EA0DC}" type="datetimeFigureOut">
               <a:rPr lang="ko-KR" altLang="en-US" smtClean="0"/>
-              <a:t>2022-07-28</a:t>
+              <a:t>2023-04-28</a:t>
             </a:fld>
             <a:endParaRPr lang="ko-KR" altLang="en-US"/>
           </a:p>
@@ -658,7 +660,7 @@
           <a:p>
             <a:fld id="{D260C17A-9920-4DAC-BC30-17815B2EA0DC}" type="datetimeFigureOut">
               <a:rPr lang="ko-KR" altLang="en-US" smtClean="0"/>
-              <a:t>2022-07-28</a:t>
+              <a:t>2023-04-28</a:t>
             </a:fld>
             <a:endParaRPr lang="ko-KR" altLang="en-US"/>
           </a:p>
@@ -1309,7 +1311,7 @@
           <a:p>
             <a:fld id="{D260C17A-9920-4DAC-BC30-17815B2EA0DC}" type="datetimeFigureOut">
               <a:rPr lang="ko-KR" altLang="en-US" smtClean="0"/>
-              <a:t>2022-07-28</a:t>
+              <a:t>2023-04-28</a:t>
             </a:fld>
             <a:endParaRPr lang="ko-KR" altLang="en-US"/>
           </a:p>
@@ -1555,7 +1557,7 @@
           <a:p>
             <a:fld id="{D260C17A-9920-4DAC-BC30-17815B2EA0DC}" type="datetimeFigureOut">
               <a:rPr lang="ko-KR" altLang="en-US" smtClean="0"/>
-              <a:t>2022-07-28</a:t>
+              <a:t>2023-04-28</a:t>
             </a:fld>
             <a:endParaRPr lang="ko-KR" altLang="en-US"/>
           </a:p>
@@ -1843,7 +1845,7 @@
           <a:p>
             <a:fld id="{D260C17A-9920-4DAC-BC30-17815B2EA0DC}" type="datetimeFigureOut">
               <a:rPr lang="ko-KR" altLang="en-US" smtClean="0"/>
-              <a:t>2022-07-28</a:t>
+              <a:t>2023-04-28</a:t>
             </a:fld>
             <a:endParaRPr lang="ko-KR" altLang="en-US"/>
           </a:p>
@@ -2265,7 +2267,7 @@
           <a:p>
             <a:fld id="{D260C17A-9920-4DAC-BC30-17815B2EA0DC}" type="datetimeFigureOut">
               <a:rPr lang="ko-KR" altLang="en-US" smtClean="0"/>
-              <a:t>2022-07-28</a:t>
+              <a:t>2023-04-28</a:t>
             </a:fld>
             <a:endParaRPr lang="ko-KR" altLang="en-US"/>
           </a:p>
@@ -2383,7 +2385,7 @@
           <a:p>
             <a:fld id="{D260C17A-9920-4DAC-BC30-17815B2EA0DC}" type="datetimeFigureOut">
               <a:rPr lang="ko-KR" altLang="en-US" smtClean="0"/>
-              <a:t>2022-07-28</a:t>
+              <a:t>2023-04-28</a:t>
             </a:fld>
             <a:endParaRPr lang="ko-KR" altLang="en-US"/>
           </a:p>
@@ -2478,7 +2480,7 @@
           <a:p>
             <a:fld id="{D260C17A-9920-4DAC-BC30-17815B2EA0DC}" type="datetimeFigureOut">
               <a:rPr lang="ko-KR" altLang="en-US" smtClean="0"/>
-              <a:t>2022-07-28</a:t>
+              <a:t>2023-04-28</a:t>
             </a:fld>
             <a:endParaRPr lang="ko-KR" altLang="en-US"/>
           </a:p>
@@ -2755,7 +2757,7 @@
           <a:p>
             <a:fld id="{D260C17A-9920-4DAC-BC30-17815B2EA0DC}" type="datetimeFigureOut">
               <a:rPr lang="ko-KR" altLang="en-US" smtClean="0"/>
-              <a:t>2022-07-28</a:t>
+              <a:t>2023-04-28</a:t>
             </a:fld>
             <a:endParaRPr lang="ko-KR" altLang="en-US"/>
           </a:p>
@@ -3008,7 +3010,7 @@
           <a:p>
             <a:fld id="{D260C17A-9920-4DAC-BC30-17815B2EA0DC}" type="datetimeFigureOut">
               <a:rPr lang="ko-KR" altLang="en-US" smtClean="0"/>
-              <a:t>2022-07-28</a:t>
+              <a:t>2023-04-28</a:t>
             </a:fld>
             <a:endParaRPr lang="ko-KR" altLang="en-US"/>
           </a:p>
@@ -3221,7 +3223,7 @@
           <a:p>
             <a:fld id="{D260C17A-9920-4DAC-BC30-17815B2EA0DC}" type="datetimeFigureOut">
               <a:rPr lang="ko-KR" altLang="en-US" smtClean="0"/>
-              <a:t>2022-07-28</a:t>
+              <a:t>2023-04-28</a:t>
             </a:fld>
             <a:endParaRPr lang="ko-KR" altLang="en-US"/>
           </a:p>
@@ -3697,19 +3699,11 @@
           <a:p>
             <a:r>
               <a:rPr lang="en-US" altLang="ko-KR" dirty="0" smtClean="0"/>
-              <a:t>DFD(Data Flow D) ex. </a:t>
+              <a:t>DFD(Data Flow D) </a:t>
             </a:r>
             <a:r>
               <a:rPr lang="ko-KR" altLang="en-US" dirty="0" smtClean="0"/>
-              <a:t>회원정보수정</a:t>
-            </a:r>
-            <a:r>
-              <a:rPr lang="en-US" altLang="ko-KR" dirty="0"/>
-              <a:t> </a:t>
-            </a:r>
-            <a:r>
-              <a:rPr lang="en-US" altLang="ko-KR" dirty="0" smtClean="0"/>
-              <a:t>DFD</a:t>
+              <a:t>장바구니</a:t>
             </a:r>
             <a:endParaRPr lang="ko-KR" altLang="en-US" dirty="0"/>
           </a:p>
@@ -5090,225 +5084,1914 @@
           <a:p>
             <a:r>
               <a:rPr lang="en-US" altLang="ko-KR" dirty="0" smtClean="0"/>
-              <a:t>DFD</a:t>
+              <a:t>DFD(Data Flow D) </a:t>
+            </a:r>
+            <a:r>
+              <a:rPr lang="en-US" altLang="ko-KR" dirty="0" smtClean="0"/>
+              <a:t>– </a:t>
+            </a:r>
+            <a:r>
+              <a:rPr lang="ko-KR" altLang="en-US" dirty="0" smtClean="0"/>
+              <a:t>상품 검색</a:t>
             </a:r>
             <a:endParaRPr lang="ko-KR" altLang="en-US" dirty="0"/>
           </a:p>
         </p:txBody>
       </p:sp>
-      <p:sp>
-        <p:nvSpPr>
-          <p:cNvPr id="3" name="내용 개체 틀 2"/>
-          <p:cNvSpPr>
-            <a:spLocks noGrp="1"/>
-          </p:cNvSpPr>
-          <p:nvPr>
-            <p:ph sz="quarter" idx="10"/>
-          </p:nvPr>
-        </p:nvSpPr>
-        <p:spPr>
-          <a:xfrm>
-            <a:off x="63501" y="773705"/>
-            <a:ext cx="8963994" cy="6030670"/>
-          </a:xfrm>
-        </p:spPr>
-        <p:txBody>
-          <a:bodyPr>
-            <a:normAutofit/>
+      <p:cxnSp>
+        <p:nvCxnSpPr>
+          <p:cNvPr id="8" name="직선 화살표 연결선 7"/>
+          <p:cNvCxnSpPr/>
+          <p:nvPr/>
+        </p:nvCxnSpPr>
+        <p:spPr>
+          <a:xfrm flipH="1" flipV="1">
+            <a:off x="1200428" y="3246529"/>
+            <a:ext cx="750009" cy="274111"/>
+          </a:xfrm>
+          <a:prstGeom prst="straightConnector1">
+            <a:avLst/>
+          </a:prstGeom>
+          <a:ln w="25400">
+            <a:prstDash val="sysDot"/>
+            <a:tailEnd type="arrow"/>
+          </a:ln>
+        </p:spPr>
+        <p:style>
+          <a:lnRef idx="1">
+            <a:schemeClr val="accent1"/>
+          </a:lnRef>
+          <a:fillRef idx="0">
+            <a:schemeClr val="accent1"/>
+          </a:fillRef>
+          <a:effectRef idx="0">
+            <a:schemeClr val="accent1"/>
+          </a:effectRef>
+          <a:fontRef idx="minor">
+            <a:schemeClr val="tx1"/>
+          </a:fontRef>
+        </p:style>
+      </p:cxnSp>
+      <p:sp>
+        <p:nvSpPr>
+          <p:cNvPr id="13" name="TextBox 12"/>
+          <p:cNvSpPr txBox="1"/>
+          <p:nvPr/>
+        </p:nvSpPr>
+        <p:spPr>
+          <a:xfrm>
+            <a:off x="6664962" y="-883506"/>
+            <a:ext cx="1651414" cy="369332"/>
+          </a:xfrm>
+          <a:prstGeom prst="rect">
+            <a:avLst/>
+          </a:prstGeom>
+          <a:noFill/>
+        </p:spPr>
+        <p:txBody>
+          <a:bodyPr wrap="none" rtlCol="0">
+            <a:spAutoFit/>
           </a:bodyPr>
           <a:lstStyle/>
           <a:p>
-            <a:pPr lvl="1"/>
-            <a:endParaRPr lang="en-US" altLang="ko-KR" dirty="0" smtClean="0"/>
-          </a:p>
-          <a:p>
-            <a:pPr lvl="1"/>
-            <a:endParaRPr lang="en-US" altLang="ko-KR" dirty="0"/>
-          </a:p>
-          <a:p>
-            <a:pPr lvl="1"/>
-            <a:endParaRPr lang="en-US" altLang="ko-KR" dirty="0" smtClean="0"/>
-          </a:p>
-          <a:p>
-            <a:pPr lvl="1"/>
-            <a:endParaRPr lang="en-US" altLang="ko-KR" dirty="0"/>
-          </a:p>
-          <a:p>
-            <a:pPr lvl="1"/>
-            <a:endParaRPr lang="en-US" altLang="ko-KR" dirty="0" smtClean="0"/>
-          </a:p>
-          <a:p>
-            <a:pPr lvl="1"/>
-            <a:endParaRPr lang="en-US" altLang="ko-KR" dirty="0"/>
-          </a:p>
-          <a:p>
-            <a:pPr lvl="1"/>
-            <a:endParaRPr lang="en-US" altLang="ko-KR" dirty="0" smtClean="0"/>
-          </a:p>
-          <a:p>
-            <a:pPr lvl="1"/>
-            <a:endParaRPr lang="en-US" altLang="ko-KR" dirty="0"/>
-          </a:p>
-          <a:p>
-            <a:pPr lvl="1"/>
-            <a:endParaRPr lang="en-US" altLang="ko-KR" dirty="0" smtClean="0"/>
-          </a:p>
-          <a:p>
-            <a:pPr lvl="1"/>
-            <a:endParaRPr lang="en-US" altLang="ko-KR" dirty="0"/>
-          </a:p>
-          <a:p>
-            <a:pPr lvl="1"/>
-            <a:r>
-              <a:rPr lang="en-US" altLang="ko-KR" dirty="0" smtClean="0"/>
-              <a:t>Terminator: </a:t>
-            </a:r>
-            <a:r>
-              <a:rPr lang="ko-KR" altLang="en-US" dirty="0" err="1" smtClean="0"/>
-              <a:t>출원지</a:t>
-            </a:r>
-            <a:r>
-              <a:rPr lang="en-US" altLang="ko-KR" dirty="0" smtClean="0"/>
-              <a:t>, </a:t>
-            </a:r>
             <a:r>
               <a:rPr lang="ko-KR" altLang="en-US" dirty="0" smtClean="0"/>
-              <a:t>목적지를 나타냄</a:t>
-            </a:r>
-            <a:r>
-              <a:rPr lang="en-US" altLang="ko-KR" dirty="0" smtClean="0"/>
+              <a:t>프로세스 흐름</a:t>
+            </a:r>
+            <a:endParaRPr lang="ko-KR" altLang="en-US" dirty="0"/>
+          </a:p>
+        </p:txBody>
+      </p:sp>
+      <p:sp>
+        <p:nvSpPr>
+          <p:cNvPr id="14" name="직사각형 13"/>
+          <p:cNvSpPr/>
+          <p:nvPr/>
+        </p:nvSpPr>
+        <p:spPr>
+          <a:xfrm>
+            <a:off x="225906" y="5075940"/>
+            <a:ext cx="1384008" cy="720080"/>
+          </a:xfrm>
+          <a:prstGeom prst="rect">
+            <a:avLst/>
+          </a:prstGeom>
+        </p:spPr>
+        <p:style>
+          <a:lnRef idx="2">
+            <a:schemeClr val="accent1">
+              <a:shade val="50000"/>
+            </a:schemeClr>
+          </a:lnRef>
+          <a:fillRef idx="1">
+            <a:schemeClr val="accent1"/>
+          </a:fillRef>
+          <a:effectRef idx="0">
+            <a:schemeClr val="accent1"/>
+          </a:effectRef>
+          <a:fontRef idx="minor">
+            <a:schemeClr val="lt1"/>
+          </a:fontRef>
+        </p:style>
+        <p:txBody>
+          <a:bodyPr rtlCol="0" anchor="ctr"/>
+          <a:lstStyle/>
+          <a:p>
+            <a:pPr algn="ctr"/>
+            <a:r>
+              <a:rPr lang="ko-KR" altLang="en-US" sz="1600" b="1" dirty="0" err="1" smtClean="0">
+                <a:solidFill>
+                  <a:schemeClr val="tx1"/>
+                </a:solidFill>
+              </a:rPr>
+              <a:t>검색목록</a:t>
+            </a:r>
+            <a:endParaRPr lang="ko-KR" altLang="en-US" sz="1600" b="1" dirty="0">
+              <a:solidFill>
+                <a:schemeClr val="tx1"/>
+              </a:solidFill>
+            </a:endParaRPr>
+          </a:p>
+        </p:txBody>
+      </p:sp>
+      <p:sp>
+        <p:nvSpPr>
+          <p:cNvPr id="36" name="TextBox 35"/>
+          <p:cNvSpPr txBox="1"/>
+          <p:nvPr/>
+        </p:nvSpPr>
+        <p:spPr>
+          <a:xfrm>
+            <a:off x="4831098" y="-990939"/>
+            <a:ext cx="1420582" cy="369332"/>
+          </a:xfrm>
+          <a:prstGeom prst="rect">
+            <a:avLst/>
+          </a:prstGeom>
+          <a:noFill/>
+        </p:spPr>
+        <p:txBody>
+          <a:bodyPr wrap="none" rtlCol="0">
+            <a:spAutoFit/>
+          </a:bodyPr>
+          <a:lstStyle/>
+          <a:p>
+            <a:r>
+              <a:rPr lang="ko-KR" altLang="en-US" dirty="0" smtClean="0"/>
+              <a:t>데이터 흐름</a:t>
+            </a:r>
+            <a:endParaRPr lang="ko-KR" altLang="en-US" dirty="0"/>
+          </a:p>
+        </p:txBody>
+      </p:sp>
+      <p:cxnSp>
+        <p:nvCxnSpPr>
+          <p:cNvPr id="39" name="직선 화살표 연결선 38"/>
+          <p:cNvCxnSpPr/>
+          <p:nvPr/>
+        </p:nvCxnSpPr>
+        <p:spPr>
+          <a:xfrm>
+            <a:off x="1294728" y="3026720"/>
+            <a:ext cx="836944" cy="389743"/>
+          </a:xfrm>
+          <a:prstGeom prst="straightConnector1">
+            <a:avLst/>
+          </a:prstGeom>
+          <a:ln>
+            <a:tailEnd type="arrow"/>
+          </a:ln>
+        </p:spPr>
+        <p:style>
+          <a:lnRef idx="1">
+            <a:schemeClr val="accent1"/>
+          </a:lnRef>
+          <a:fillRef idx="0">
+            <a:schemeClr val="accent1"/>
+          </a:fillRef>
+          <a:effectRef idx="0">
+            <a:schemeClr val="accent1"/>
+          </a:effectRef>
+          <a:fontRef idx="minor">
+            <a:schemeClr val="tx1"/>
+          </a:fontRef>
+        </p:style>
+      </p:cxnSp>
+      <p:sp>
+        <p:nvSpPr>
+          <p:cNvPr id="46" name="TextBox 45"/>
+          <p:cNvSpPr txBox="1"/>
+          <p:nvPr/>
+        </p:nvSpPr>
+        <p:spPr>
+          <a:xfrm>
+            <a:off x="1164887" y="2710129"/>
+            <a:ext cx="1200970" cy="276999"/>
+          </a:xfrm>
+          <a:prstGeom prst="rect">
+            <a:avLst/>
+          </a:prstGeom>
+          <a:noFill/>
+        </p:spPr>
+        <p:txBody>
+          <a:bodyPr wrap="none" rtlCol="0">
+            <a:spAutoFit/>
+          </a:bodyPr>
+          <a:lstStyle/>
+          <a:p>
+            <a:r>
+              <a:rPr lang="ko-KR" altLang="en-US" sz="1200" dirty="0" err="1" smtClean="0"/>
+              <a:t>검색값</a:t>
+            </a:r>
+            <a:r>
+              <a:rPr lang="en-US" altLang="ko-KR" sz="1200" dirty="0" smtClean="0"/>
               <a:t>(</a:t>
             </a:r>
             <a:r>
-              <a:rPr lang="ko-KR" altLang="en-US" dirty="0" smtClean="0"/>
-              <a:t>학생</a:t>
-            </a:r>
-            <a:r>
-              <a:rPr lang="en-US" altLang="ko-KR" dirty="0" smtClean="0"/>
-              <a:t>, </a:t>
-            </a:r>
-            <a:r>
-              <a:rPr lang="ko-KR" altLang="en-US" dirty="0" smtClean="0"/>
-              <a:t>교수</a:t>
-            </a:r>
-            <a:r>
-              <a:rPr lang="en-US" altLang="ko-KR" dirty="0" smtClean="0"/>
+              <a:rPr lang="ko-KR" altLang="en-US" sz="1200" dirty="0" smtClean="0"/>
+              <a:t>상품명</a:t>
+            </a:r>
+            <a:r>
+              <a:rPr lang="en-US" altLang="ko-KR" sz="1200" dirty="0" smtClean="0"/>
               <a:t>)</a:t>
             </a:r>
-          </a:p>
-          <a:p>
-            <a:pPr lvl="1"/>
-            <a:r>
-              <a:rPr lang="en-US" altLang="ko-KR" dirty="0" smtClean="0"/>
-              <a:t>data flow: </a:t>
-            </a:r>
-            <a:r>
-              <a:rPr lang="ko-KR" altLang="en-US" dirty="0" smtClean="0"/>
-              <a:t>자료의 흐름을 나타냄</a:t>
-            </a:r>
-            <a:r>
-              <a:rPr lang="en-US" altLang="ko-KR" dirty="0" smtClean="0"/>
+            <a:endParaRPr lang="en-US" altLang="ko-KR" sz="1200" dirty="0" smtClean="0"/>
+          </a:p>
+        </p:txBody>
+      </p:sp>
+      <p:sp>
+        <p:nvSpPr>
+          <p:cNvPr id="47" name="타원 46"/>
+          <p:cNvSpPr/>
+          <p:nvPr/>
+        </p:nvSpPr>
+        <p:spPr>
+          <a:xfrm>
+            <a:off x="63500" y="2424515"/>
+            <a:ext cx="1120006" cy="864096"/>
+          </a:xfrm>
+          <a:prstGeom prst="ellipse">
+            <a:avLst/>
+          </a:prstGeom>
+        </p:spPr>
+        <p:style>
+          <a:lnRef idx="2">
+            <a:schemeClr val="accent1">
+              <a:shade val="50000"/>
+            </a:schemeClr>
+          </a:lnRef>
+          <a:fillRef idx="1">
+            <a:schemeClr val="accent1"/>
+          </a:fillRef>
+          <a:effectRef idx="0">
+            <a:schemeClr val="accent1"/>
+          </a:effectRef>
+          <a:fontRef idx="minor">
+            <a:schemeClr val="lt1"/>
+          </a:fontRef>
+        </p:style>
+        <p:txBody>
+          <a:bodyPr rot="0" spcFirstLastPara="0" vertOverflow="overflow" horzOverflow="overflow" vert="horz" wrap="square" lIns="91440" tIns="45720" rIns="91440" bIns="45720" numCol="1" spcCol="0" rtlCol="0" fromWordArt="0" anchor="ctr" anchorCtr="0" forceAA="0" compatLnSpc="1">
+            <a:prstTxWarp prst="textNoShape">
+              <a:avLst/>
+            </a:prstTxWarp>
+            <a:noAutofit/>
+          </a:bodyPr>
+          <a:lstStyle/>
+          <a:p>
+            <a:pPr algn="ctr"/>
+            <a:r>
+              <a:rPr lang="ko-KR" altLang="en-US" sz="1600" b="1" dirty="0" smtClean="0">
+                <a:solidFill>
+                  <a:schemeClr val="tx1"/>
+                </a:solidFill>
+              </a:rPr>
+              <a:t>검색</a:t>
+            </a:r>
+            <a:endParaRPr lang="ko-KR" altLang="en-US" sz="1600" b="1" dirty="0" smtClean="0">
+              <a:solidFill>
+                <a:schemeClr val="tx1"/>
+              </a:solidFill>
+            </a:endParaRPr>
+          </a:p>
+        </p:txBody>
+      </p:sp>
+      <p:sp>
+        <p:nvSpPr>
+          <p:cNvPr id="50" name="직사각형 49"/>
+          <p:cNvSpPr/>
+          <p:nvPr/>
+        </p:nvSpPr>
+        <p:spPr>
+          <a:xfrm>
+            <a:off x="216295" y="851983"/>
+            <a:ext cx="936104" cy="720080"/>
+          </a:xfrm>
+          <a:prstGeom prst="rect">
+            <a:avLst/>
+          </a:prstGeom>
+        </p:spPr>
+        <p:style>
+          <a:lnRef idx="2">
+            <a:schemeClr val="accent1">
+              <a:shade val="50000"/>
+            </a:schemeClr>
+          </a:lnRef>
+          <a:fillRef idx="1">
+            <a:schemeClr val="accent1"/>
+          </a:fillRef>
+          <a:effectRef idx="0">
+            <a:schemeClr val="accent1"/>
+          </a:effectRef>
+          <a:fontRef idx="minor">
+            <a:schemeClr val="lt1"/>
+          </a:fontRef>
+        </p:style>
+        <p:txBody>
+          <a:bodyPr rtlCol="0" anchor="ctr"/>
+          <a:lstStyle/>
+          <a:p>
+            <a:pPr algn="ctr"/>
+            <a:r>
+              <a:rPr lang="ko-KR" altLang="en-US" sz="1600" b="1" dirty="0" smtClean="0">
+                <a:solidFill>
+                  <a:schemeClr val="tx1"/>
+                </a:solidFill>
+              </a:rPr>
+              <a:t>사용자</a:t>
+            </a:r>
+            <a:endParaRPr lang="ko-KR" altLang="en-US" sz="1600" b="1" dirty="0">
+              <a:solidFill>
+                <a:schemeClr val="tx1"/>
+              </a:solidFill>
+            </a:endParaRPr>
+          </a:p>
+        </p:txBody>
+      </p:sp>
+      <p:cxnSp>
+        <p:nvCxnSpPr>
+          <p:cNvPr id="51" name="직선 화살표 연결선 50"/>
+          <p:cNvCxnSpPr/>
+          <p:nvPr/>
+        </p:nvCxnSpPr>
+        <p:spPr>
+          <a:xfrm>
+            <a:off x="467544" y="1724678"/>
+            <a:ext cx="0" cy="518662"/>
+          </a:xfrm>
+          <a:prstGeom prst="straightConnector1">
+            <a:avLst/>
+          </a:prstGeom>
+          <a:ln>
+            <a:tailEnd type="arrow"/>
+          </a:ln>
+        </p:spPr>
+        <p:style>
+          <a:lnRef idx="1">
+            <a:schemeClr val="accent1"/>
+          </a:lnRef>
+          <a:fillRef idx="0">
+            <a:schemeClr val="accent1"/>
+          </a:fillRef>
+          <a:effectRef idx="0">
+            <a:schemeClr val="accent1"/>
+          </a:effectRef>
+          <a:fontRef idx="minor">
+            <a:schemeClr val="tx1"/>
+          </a:fontRef>
+        </p:style>
+      </p:cxnSp>
+      <p:sp>
+        <p:nvSpPr>
+          <p:cNvPr id="52" name="TextBox 51"/>
+          <p:cNvSpPr txBox="1"/>
+          <p:nvPr/>
+        </p:nvSpPr>
+        <p:spPr>
+          <a:xfrm>
+            <a:off x="526243" y="1830925"/>
+            <a:ext cx="1200970" cy="276999"/>
+          </a:xfrm>
+          <a:prstGeom prst="rect">
+            <a:avLst/>
+          </a:prstGeom>
+          <a:noFill/>
+        </p:spPr>
+        <p:txBody>
+          <a:bodyPr wrap="none" rtlCol="0">
+            <a:spAutoFit/>
+          </a:bodyPr>
+          <a:lstStyle/>
+          <a:p>
+            <a:r>
+              <a:rPr lang="ko-KR" altLang="en-US" sz="1200" dirty="0" err="1" smtClean="0"/>
+              <a:t>검색값</a:t>
+            </a:r>
+            <a:r>
+              <a:rPr lang="en-US" altLang="ko-KR" sz="1200" dirty="0" smtClean="0"/>
               <a:t>(</a:t>
             </a:r>
             <a:r>
-              <a:rPr lang="ko-KR" altLang="en-US" dirty="0" smtClean="0"/>
-              <a:t>화살표</a:t>
-            </a:r>
-            <a:r>
-              <a:rPr lang="en-US" altLang="ko-KR" dirty="0" smtClean="0"/>
+              <a:rPr lang="ko-KR" altLang="en-US" sz="1200" dirty="0" smtClean="0"/>
+              <a:t>상품명</a:t>
+            </a:r>
+            <a:r>
+              <a:rPr lang="en-US" altLang="ko-KR" sz="1200" dirty="0" smtClean="0"/>
               <a:t>)</a:t>
             </a:r>
-          </a:p>
-          <a:p>
-            <a:pPr lvl="1"/>
-            <a:r>
-              <a:rPr lang="en-US" altLang="ko-KR" dirty="0" smtClean="0"/>
-              <a:t>data store: </a:t>
-            </a:r>
-            <a:r>
-              <a:rPr lang="ko-KR" altLang="en-US" dirty="0" smtClean="0"/>
-              <a:t>자료가 저장되는 곳을 나타냄</a:t>
-            </a:r>
-            <a:r>
-              <a:rPr lang="en-US" altLang="ko-KR" dirty="0" smtClean="0"/>
+            <a:endParaRPr lang="en-US" altLang="ko-KR" sz="1200" dirty="0" smtClean="0"/>
+          </a:p>
+        </p:txBody>
+      </p:sp>
+      <p:sp>
+        <p:nvSpPr>
+          <p:cNvPr id="55" name="TextBox 54"/>
+          <p:cNvSpPr txBox="1"/>
+          <p:nvPr/>
+        </p:nvSpPr>
+        <p:spPr>
+          <a:xfrm>
+            <a:off x="996330" y="3444858"/>
+            <a:ext cx="954107" cy="276999"/>
+          </a:xfrm>
+          <a:prstGeom prst="rect">
+            <a:avLst/>
+          </a:prstGeom>
+          <a:noFill/>
+        </p:spPr>
+        <p:txBody>
+          <a:bodyPr wrap="none" rtlCol="0">
+            <a:spAutoFit/>
+          </a:bodyPr>
+          <a:lstStyle/>
+          <a:p>
+            <a:r>
+              <a:rPr lang="ko-KR" altLang="en-US" sz="1200" dirty="0" err="1" smtClean="0"/>
+              <a:t>상품리스트</a:t>
+            </a:r>
+            <a:endParaRPr lang="en-US" altLang="ko-KR" sz="1200" dirty="0" smtClean="0"/>
+          </a:p>
+        </p:txBody>
+      </p:sp>
+      <p:cxnSp>
+        <p:nvCxnSpPr>
+          <p:cNvPr id="56" name="직선 화살표 연결선 55"/>
+          <p:cNvCxnSpPr/>
+          <p:nvPr/>
+        </p:nvCxnSpPr>
+        <p:spPr>
+          <a:xfrm flipH="1">
+            <a:off x="5076056" y="-531440"/>
+            <a:ext cx="818972" cy="1"/>
+          </a:xfrm>
+          <a:prstGeom prst="straightConnector1">
+            <a:avLst/>
+          </a:prstGeom>
+          <a:ln w="25400">
+            <a:prstDash val="sysDot"/>
+            <a:tailEnd type="arrow"/>
+          </a:ln>
+        </p:spPr>
+        <p:style>
+          <a:lnRef idx="1">
+            <a:schemeClr val="accent1"/>
+          </a:lnRef>
+          <a:fillRef idx="0">
+            <a:schemeClr val="accent1"/>
+          </a:fillRef>
+          <a:effectRef idx="0">
+            <a:schemeClr val="accent1"/>
+          </a:effectRef>
+          <a:fontRef idx="minor">
+            <a:schemeClr val="tx1"/>
+          </a:fontRef>
+        </p:style>
+      </p:cxnSp>
+      <p:cxnSp>
+        <p:nvCxnSpPr>
+          <p:cNvPr id="57" name="직선 화살표 연결선 56"/>
+          <p:cNvCxnSpPr/>
+          <p:nvPr/>
+        </p:nvCxnSpPr>
+        <p:spPr>
+          <a:xfrm>
+            <a:off x="6664962" y="-243408"/>
+            <a:ext cx="1368152" cy="0"/>
+          </a:xfrm>
+          <a:prstGeom prst="straightConnector1">
+            <a:avLst/>
+          </a:prstGeom>
+          <a:ln>
+            <a:tailEnd type="arrow"/>
+          </a:ln>
+        </p:spPr>
+        <p:style>
+          <a:lnRef idx="1">
+            <a:schemeClr val="accent1"/>
+          </a:lnRef>
+          <a:fillRef idx="0">
+            <a:schemeClr val="accent1"/>
+          </a:fillRef>
+          <a:effectRef idx="0">
+            <a:schemeClr val="accent1"/>
+          </a:effectRef>
+          <a:fontRef idx="minor">
+            <a:schemeClr val="tx1"/>
+          </a:fontRef>
+        </p:style>
+      </p:cxnSp>
+      <p:cxnSp>
+        <p:nvCxnSpPr>
+          <p:cNvPr id="58" name="직선 화살표 연결선 57"/>
+          <p:cNvCxnSpPr/>
+          <p:nvPr/>
+        </p:nvCxnSpPr>
+        <p:spPr>
+          <a:xfrm>
+            <a:off x="637912" y="3605202"/>
+            <a:ext cx="19916" cy="1209220"/>
+          </a:xfrm>
+          <a:prstGeom prst="straightConnector1">
+            <a:avLst/>
+          </a:prstGeom>
+          <a:ln>
+            <a:tailEnd type="arrow"/>
+          </a:ln>
+        </p:spPr>
+        <p:style>
+          <a:lnRef idx="1">
+            <a:schemeClr val="accent1"/>
+          </a:lnRef>
+          <a:fillRef idx="0">
+            <a:schemeClr val="accent1"/>
+          </a:fillRef>
+          <a:effectRef idx="0">
+            <a:schemeClr val="accent1"/>
+          </a:effectRef>
+          <a:fontRef idx="minor">
+            <a:schemeClr val="tx1"/>
+          </a:fontRef>
+        </p:style>
+      </p:cxnSp>
+      <p:sp>
+        <p:nvSpPr>
+          <p:cNvPr id="59" name="TextBox 58"/>
+          <p:cNvSpPr txBox="1"/>
+          <p:nvPr/>
+        </p:nvSpPr>
+        <p:spPr>
+          <a:xfrm>
+            <a:off x="636188" y="4207407"/>
+            <a:ext cx="954107" cy="276999"/>
+          </a:xfrm>
+          <a:prstGeom prst="rect">
+            <a:avLst/>
+          </a:prstGeom>
+          <a:noFill/>
+        </p:spPr>
+        <p:txBody>
+          <a:bodyPr wrap="none" rtlCol="0">
+            <a:spAutoFit/>
+          </a:bodyPr>
+          <a:lstStyle/>
+          <a:p>
+            <a:r>
+              <a:rPr lang="ko-KR" altLang="en-US" sz="1200" dirty="0" err="1" smtClean="0"/>
+              <a:t>상품리스트</a:t>
+            </a:r>
+            <a:endParaRPr lang="en-US" altLang="ko-KR" sz="1200" dirty="0" smtClean="0"/>
+          </a:p>
+        </p:txBody>
+      </p:sp>
+      <p:cxnSp>
+        <p:nvCxnSpPr>
+          <p:cNvPr id="60" name="직선 화살표 연결선 59"/>
+          <p:cNvCxnSpPr/>
+          <p:nvPr/>
+        </p:nvCxnSpPr>
+        <p:spPr>
+          <a:xfrm>
+            <a:off x="1935133" y="5512585"/>
+            <a:ext cx="1197068" cy="0"/>
+          </a:xfrm>
+          <a:prstGeom prst="straightConnector1">
+            <a:avLst/>
+          </a:prstGeom>
+          <a:ln>
+            <a:tailEnd type="arrow"/>
+          </a:ln>
+        </p:spPr>
+        <p:style>
+          <a:lnRef idx="1">
+            <a:schemeClr val="accent1"/>
+          </a:lnRef>
+          <a:fillRef idx="0">
+            <a:schemeClr val="accent1"/>
+          </a:fillRef>
+          <a:effectRef idx="0">
+            <a:schemeClr val="accent1"/>
+          </a:effectRef>
+          <a:fontRef idx="minor">
+            <a:schemeClr val="tx1"/>
+          </a:fontRef>
+        </p:style>
+      </p:cxnSp>
+      <p:sp>
+        <p:nvSpPr>
+          <p:cNvPr id="61" name="TextBox 60"/>
+          <p:cNvSpPr txBox="1"/>
+          <p:nvPr/>
+        </p:nvSpPr>
+        <p:spPr>
+          <a:xfrm>
+            <a:off x="2133558" y="5657521"/>
+            <a:ext cx="800219" cy="276999"/>
+          </a:xfrm>
+          <a:prstGeom prst="rect">
+            <a:avLst/>
+          </a:prstGeom>
+          <a:noFill/>
+        </p:spPr>
+        <p:txBody>
+          <a:bodyPr wrap="none" rtlCol="0">
+            <a:spAutoFit/>
+          </a:bodyPr>
+          <a:lstStyle/>
+          <a:p>
+            <a:r>
+              <a:rPr lang="ko-KR" altLang="en-US" sz="1200" dirty="0" err="1" smtClean="0"/>
+              <a:t>상품코드</a:t>
+            </a:r>
+            <a:endParaRPr lang="en-US" altLang="ko-KR" sz="1200" dirty="0" smtClean="0"/>
+          </a:p>
+        </p:txBody>
+      </p:sp>
+      <p:sp>
+        <p:nvSpPr>
+          <p:cNvPr id="62" name="타원 61"/>
+          <p:cNvSpPr/>
+          <p:nvPr/>
+        </p:nvSpPr>
+        <p:spPr>
+          <a:xfrm>
+            <a:off x="3478636" y="5188679"/>
+            <a:ext cx="1120006" cy="864096"/>
+          </a:xfrm>
+          <a:prstGeom prst="ellipse">
+            <a:avLst/>
+          </a:prstGeom>
+        </p:spPr>
+        <p:style>
+          <a:lnRef idx="2">
+            <a:schemeClr val="accent1">
+              <a:shade val="50000"/>
+            </a:schemeClr>
+          </a:lnRef>
+          <a:fillRef idx="1">
+            <a:schemeClr val="accent1"/>
+          </a:fillRef>
+          <a:effectRef idx="0">
+            <a:schemeClr val="accent1"/>
+          </a:effectRef>
+          <a:fontRef idx="minor">
+            <a:schemeClr val="lt1"/>
+          </a:fontRef>
+        </p:style>
+        <p:txBody>
+          <a:bodyPr rot="0" spcFirstLastPara="0" vertOverflow="overflow" horzOverflow="overflow" vert="horz" wrap="square" lIns="91440" tIns="45720" rIns="91440" bIns="45720" numCol="1" spcCol="0" rtlCol="0" fromWordArt="0" anchor="ctr" anchorCtr="0" forceAA="0" compatLnSpc="1">
+            <a:prstTxWarp prst="textNoShape">
+              <a:avLst/>
+            </a:prstTxWarp>
+            <a:noAutofit/>
+          </a:bodyPr>
+          <a:lstStyle/>
+          <a:p>
+            <a:pPr algn="ctr"/>
+            <a:r>
+              <a:rPr lang="ko-KR" altLang="en-US" sz="1600" b="1" dirty="0" smtClean="0">
+                <a:solidFill>
+                  <a:schemeClr val="tx1"/>
+                </a:solidFill>
+              </a:rPr>
+              <a:t>상품상세</a:t>
+            </a:r>
+            <a:endParaRPr lang="ko-KR" altLang="en-US" sz="1600" b="1" dirty="0" smtClean="0">
+              <a:solidFill>
+                <a:schemeClr val="tx1"/>
+              </a:solidFill>
+            </a:endParaRPr>
+          </a:p>
+        </p:txBody>
+      </p:sp>
+      <p:cxnSp>
+        <p:nvCxnSpPr>
+          <p:cNvPr id="63" name="직선 화살표 연결선 62"/>
+          <p:cNvCxnSpPr/>
+          <p:nvPr/>
+        </p:nvCxnSpPr>
+        <p:spPr>
+          <a:xfrm>
+            <a:off x="3875084" y="4296893"/>
+            <a:ext cx="116536" cy="652597"/>
+          </a:xfrm>
+          <a:prstGeom prst="straightConnector1">
+            <a:avLst/>
+          </a:prstGeom>
+          <a:ln w="25400">
+            <a:prstDash val="sysDot"/>
+            <a:tailEnd type="arrow"/>
+          </a:ln>
+        </p:spPr>
+        <p:style>
+          <a:lnRef idx="1">
+            <a:schemeClr val="accent1"/>
+          </a:lnRef>
+          <a:fillRef idx="0">
+            <a:schemeClr val="accent1"/>
+          </a:fillRef>
+          <a:effectRef idx="0">
+            <a:schemeClr val="accent1"/>
+          </a:effectRef>
+          <a:fontRef idx="minor">
+            <a:schemeClr val="tx1"/>
+          </a:fontRef>
+        </p:style>
+      </p:cxnSp>
+      <p:cxnSp>
+        <p:nvCxnSpPr>
+          <p:cNvPr id="64" name="직선 화살표 연결선 63"/>
+          <p:cNvCxnSpPr/>
+          <p:nvPr/>
+        </p:nvCxnSpPr>
+        <p:spPr>
+          <a:xfrm flipH="1" flipV="1">
+            <a:off x="3645818" y="4296724"/>
+            <a:ext cx="76422" cy="517698"/>
+          </a:xfrm>
+          <a:prstGeom prst="straightConnector1">
+            <a:avLst/>
+          </a:prstGeom>
+          <a:ln>
+            <a:tailEnd type="arrow"/>
+          </a:ln>
+        </p:spPr>
+        <p:style>
+          <a:lnRef idx="1">
+            <a:schemeClr val="accent1"/>
+          </a:lnRef>
+          <a:fillRef idx="0">
+            <a:schemeClr val="accent1"/>
+          </a:fillRef>
+          <a:effectRef idx="0">
+            <a:schemeClr val="accent1"/>
+          </a:effectRef>
+          <a:fontRef idx="minor">
+            <a:schemeClr val="tx1"/>
+          </a:fontRef>
+        </p:style>
+      </p:cxnSp>
+      <p:sp>
+        <p:nvSpPr>
+          <p:cNvPr id="65" name="TextBox 64"/>
+          <p:cNvSpPr txBox="1"/>
+          <p:nvPr/>
+        </p:nvSpPr>
+        <p:spPr>
+          <a:xfrm>
+            <a:off x="2856825" y="4514127"/>
+            <a:ext cx="800219" cy="276999"/>
+          </a:xfrm>
+          <a:prstGeom prst="rect">
+            <a:avLst/>
+          </a:prstGeom>
+          <a:noFill/>
+        </p:spPr>
+        <p:txBody>
+          <a:bodyPr wrap="none" rtlCol="0">
+            <a:spAutoFit/>
+          </a:bodyPr>
+          <a:lstStyle/>
+          <a:p>
+            <a:r>
+              <a:rPr lang="ko-KR" altLang="en-US" sz="1200" dirty="0" err="1" smtClean="0"/>
+              <a:t>상품코드</a:t>
+            </a:r>
+            <a:endParaRPr lang="en-US" altLang="ko-KR" sz="1200" dirty="0" smtClean="0"/>
+          </a:p>
+        </p:txBody>
+      </p:sp>
+      <p:sp>
+        <p:nvSpPr>
+          <p:cNvPr id="66" name="TextBox 65"/>
+          <p:cNvSpPr txBox="1"/>
+          <p:nvPr/>
+        </p:nvSpPr>
+        <p:spPr>
+          <a:xfrm>
+            <a:off x="5038186" y="5374085"/>
+            <a:ext cx="800219" cy="276999"/>
+          </a:xfrm>
+          <a:prstGeom prst="rect">
+            <a:avLst/>
+          </a:prstGeom>
+          <a:noFill/>
+        </p:spPr>
+        <p:txBody>
+          <a:bodyPr wrap="none" rtlCol="0">
+            <a:spAutoFit/>
+          </a:bodyPr>
+          <a:lstStyle/>
+          <a:p>
+            <a:r>
+              <a:rPr lang="ko-KR" altLang="en-US" sz="1200" dirty="0" smtClean="0"/>
+              <a:t>상품정보</a:t>
+            </a:r>
+            <a:endParaRPr lang="en-US" altLang="ko-KR" sz="1200" dirty="0" smtClean="0"/>
+          </a:p>
+        </p:txBody>
+      </p:sp>
+      <p:grpSp>
+        <p:nvGrpSpPr>
+          <p:cNvPr id="67" name="그룹 66"/>
+          <p:cNvGrpSpPr/>
+          <p:nvPr/>
+        </p:nvGrpSpPr>
+        <p:grpSpPr>
+          <a:xfrm>
+            <a:off x="2365857" y="3596020"/>
+            <a:ext cx="1196000" cy="504056"/>
+            <a:chOff x="2641852" y="5301208"/>
+            <a:chExt cx="1196000" cy="504056"/>
+          </a:xfrm>
+        </p:grpSpPr>
+        <p:cxnSp>
+          <p:nvCxnSpPr>
+            <p:cNvPr id="68" name="직선 연결선 67"/>
+            <p:cNvCxnSpPr/>
+            <p:nvPr/>
+          </p:nvCxnSpPr>
+          <p:spPr>
+            <a:xfrm>
+              <a:off x="2641852" y="5301208"/>
+              <a:ext cx="1170895" cy="0"/>
+            </a:xfrm>
+            <a:prstGeom prst="line">
+              <a:avLst/>
+            </a:prstGeom>
+            <a:ln w="38100"/>
+          </p:spPr>
+          <p:style>
+            <a:lnRef idx="1">
+              <a:schemeClr val="accent1"/>
+            </a:lnRef>
+            <a:fillRef idx="0">
+              <a:schemeClr val="accent1"/>
+            </a:fillRef>
+            <a:effectRef idx="0">
+              <a:schemeClr val="accent1"/>
+            </a:effectRef>
+            <a:fontRef idx="minor">
+              <a:schemeClr val="tx1"/>
+            </a:fontRef>
+          </p:style>
+        </p:cxnSp>
+        <p:sp>
+          <p:nvSpPr>
+            <p:cNvPr id="69" name="TextBox 68"/>
+            <p:cNvSpPr txBox="1"/>
+            <p:nvPr/>
+          </p:nvSpPr>
+          <p:spPr>
+            <a:xfrm>
+              <a:off x="2677189" y="5373216"/>
+              <a:ext cx="1107996" cy="369332"/>
+            </a:xfrm>
+            <a:prstGeom prst="rect">
+              <a:avLst/>
+            </a:prstGeom>
+            <a:noFill/>
+          </p:spPr>
+          <p:txBody>
+            <a:bodyPr wrap="none" rtlCol="0">
+              <a:spAutoFit/>
+            </a:bodyPr>
+            <a:lstStyle/>
+            <a:p>
+              <a:r>
+                <a:rPr lang="ko-KR" altLang="en-US" b="1" dirty="0" smtClean="0"/>
+                <a:t>상품정보</a:t>
+              </a:r>
+              <a:endParaRPr lang="ko-KR" altLang="en-US" b="1" dirty="0"/>
+            </a:p>
+          </p:txBody>
+        </p:sp>
+        <p:cxnSp>
+          <p:nvCxnSpPr>
+            <p:cNvPr id="70" name="직선 연결선 69"/>
+            <p:cNvCxnSpPr/>
+            <p:nvPr/>
+          </p:nvCxnSpPr>
+          <p:spPr>
+            <a:xfrm>
+              <a:off x="2666957" y="5805264"/>
+              <a:ext cx="1170895" cy="0"/>
+            </a:xfrm>
+            <a:prstGeom prst="line">
+              <a:avLst/>
+            </a:prstGeom>
+            <a:ln w="38100"/>
+          </p:spPr>
+          <p:style>
+            <a:lnRef idx="1">
+              <a:schemeClr val="accent1"/>
+            </a:lnRef>
+            <a:fillRef idx="0">
+              <a:schemeClr val="accent1"/>
+            </a:fillRef>
+            <a:effectRef idx="0">
+              <a:schemeClr val="accent1"/>
+            </a:effectRef>
+            <a:fontRef idx="minor">
+              <a:schemeClr val="tx1"/>
+            </a:fontRef>
+          </p:style>
+        </p:cxnSp>
+      </p:grpSp>
+      <p:sp>
+        <p:nvSpPr>
+          <p:cNvPr id="71" name="직사각형 70"/>
+          <p:cNvSpPr/>
+          <p:nvPr/>
+        </p:nvSpPr>
+        <p:spPr>
+          <a:xfrm>
+            <a:off x="6506294" y="5342607"/>
+            <a:ext cx="1392868" cy="720080"/>
+          </a:xfrm>
+          <a:prstGeom prst="rect">
+            <a:avLst/>
+          </a:prstGeom>
+        </p:spPr>
+        <p:style>
+          <a:lnRef idx="2">
+            <a:schemeClr val="accent1">
+              <a:shade val="50000"/>
+            </a:schemeClr>
+          </a:lnRef>
+          <a:fillRef idx="1">
+            <a:schemeClr val="accent1"/>
+          </a:fillRef>
+          <a:effectRef idx="0">
+            <a:schemeClr val="accent1"/>
+          </a:effectRef>
+          <a:fontRef idx="minor">
+            <a:schemeClr val="lt1"/>
+          </a:fontRef>
+        </p:style>
+        <p:txBody>
+          <a:bodyPr rtlCol="0" anchor="ctr"/>
+          <a:lstStyle/>
+          <a:p>
+            <a:pPr algn="ctr"/>
+            <a:r>
+              <a:rPr lang="ko-KR" altLang="en-US" sz="1600" b="1" dirty="0" smtClean="0">
+                <a:solidFill>
+                  <a:schemeClr val="tx1"/>
+                </a:solidFill>
+              </a:rPr>
+              <a:t>상품정보화면</a:t>
+            </a:r>
+            <a:endParaRPr lang="ko-KR" altLang="en-US" sz="1600" b="1" dirty="0">
+              <a:solidFill>
+                <a:schemeClr val="tx1"/>
+              </a:solidFill>
+            </a:endParaRPr>
+          </a:p>
+        </p:txBody>
+      </p:sp>
+      <p:cxnSp>
+        <p:nvCxnSpPr>
+          <p:cNvPr id="72" name="직선 화살표 연결선 71"/>
+          <p:cNvCxnSpPr/>
+          <p:nvPr/>
+        </p:nvCxnSpPr>
+        <p:spPr>
+          <a:xfrm>
+            <a:off x="5012595" y="5714651"/>
+            <a:ext cx="1054155" cy="53512"/>
+          </a:xfrm>
+          <a:prstGeom prst="straightConnector1">
+            <a:avLst/>
+          </a:prstGeom>
+          <a:ln>
+            <a:tailEnd type="arrow"/>
+          </a:ln>
+        </p:spPr>
+        <p:style>
+          <a:lnRef idx="1">
+            <a:schemeClr val="accent1"/>
+          </a:lnRef>
+          <a:fillRef idx="0">
+            <a:schemeClr val="accent1"/>
+          </a:fillRef>
+          <a:effectRef idx="0">
+            <a:schemeClr val="accent1"/>
+          </a:effectRef>
+          <a:fontRef idx="minor">
+            <a:schemeClr val="tx1"/>
+          </a:fontRef>
+        </p:style>
+      </p:cxnSp>
+      <p:sp>
+        <p:nvSpPr>
+          <p:cNvPr id="75" name="TextBox 74"/>
+          <p:cNvSpPr txBox="1"/>
+          <p:nvPr/>
+        </p:nvSpPr>
+        <p:spPr>
+          <a:xfrm>
+            <a:off x="4214135" y="4630069"/>
+            <a:ext cx="800219" cy="276999"/>
+          </a:xfrm>
+          <a:prstGeom prst="rect">
+            <a:avLst/>
+          </a:prstGeom>
+          <a:noFill/>
+        </p:spPr>
+        <p:txBody>
+          <a:bodyPr wrap="none" rtlCol="0">
+            <a:spAutoFit/>
+          </a:bodyPr>
+          <a:lstStyle/>
+          <a:p>
+            <a:r>
+              <a:rPr lang="ko-KR" altLang="en-US" sz="1200" dirty="0" smtClean="0"/>
+              <a:t>상품정보</a:t>
+            </a:r>
+            <a:endParaRPr lang="en-US" altLang="ko-KR" sz="1200" dirty="0" smtClean="0"/>
+          </a:p>
+        </p:txBody>
+      </p:sp>
+      <p:cxnSp>
+        <p:nvCxnSpPr>
+          <p:cNvPr id="76" name="직선 화살표 연결선 75"/>
+          <p:cNvCxnSpPr/>
+          <p:nvPr/>
+        </p:nvCxnSpPr>
+        <p:spPr>
+          <a:xfrm flipV="1">
+            <a:off x="7225560" y="4015855"/>
+            <a:ext cx="7335" cy="776130"/>
+          </a:xfrm>
+          <a:prstGeom prst="straightConnector1">
+            <a:avLst/>
+          </a:prstGeom>
+          <a:ln>
+            <a:tailEnd type="arrow"/>
+          </a:ln>
+        </p:spPr>
+        <p:style>
+          <a:lnRef idx="1">
+            <a:schemeClr val="accent1"/>
+          </a:lnRef>
+          <a:fillRef idx="0">
+            <a:schemeClr val="accent1"/>
+          </a:fillRef>
+          <a:effectRef idx="0">
+            <a:schemeClr val="accent1"/>
+          </a:effectRef>
+          <a:fontRef idx="minor">
+            <a:schemeClr val="tx1"/>
+          </a:fontRef>
+        </p:style>
+      </p:cxnSp>
+      <p:sp>
+        <p:nvSpPr>
+          <p:cNvPr id="80" name="타원 79"/>
+          <p:cNvSpPr/>
+          <p:nvPr/>
+        </p:nvSpPr>
+        <p:spPr>
+          <a:xfrm>
+            <a:off x="6570859" y="2993841"/>
+            <a:ext cx="1120006" cy="864096"/>
+          </a:xfrm>
+          <a:prstGeom prst="ellipse">
+            <a:avLst/>
+          </a:prstGeom>
+        </p:spPr>
+        <p:style>
+          <a:lnRef idx="2">
+            <a:schemeClr val="accent1">
+              <a:shade val="50000"/>
+            </a:schemeClr>
+          </a:lnRef>
+          <a:fillRef idx="1">
+            <a:schemeClr val="accent1"/>
+          </a:fillRef>
+          <a:effectRef idx="0">
+            <a:schemeClr val="accent1"/>
+          </a:effectRef>
+          <a:fontRef idx="minor">
+            <a:schemeClr val="lt1"/>
+          </a:fontRef>
+        </p:style>
+        <p:txBody>
+          <a:bodyPr rot="0" spcFirstLastPara="0" vertOverflow="overflow" horzOverflow="overflow" vert="horz" wrap="square" lIns="91440" tIns="45720" rIns="91440" bIns="45720" numCol="1" spcCol="0" rtlCol="0" fromWordArt="0" anchor="ctr" anchorCtr="0" forceAA="0" compatLnSpc="1">
+            <a:prstTxWarp prst="textNoShape">
+              <a:avLst/>
+            </a:prstTxWarp>
+            <a:noAutofit/>
+          </a:bodyPr>
+          <a:lstStyle/>
+          <a:p>
+            <a:pPr algn="ctr"/>
+            <a:r>
+              <a:rPr lang="ko-KR" altLang="en-US" sz="1600" b="1" dirty="0" smtClean="0">
+                <a:solidFill>
+                  <a:schemeClr val="tx1"/>
+                </a:solidFill>
+              </a:rPr>
+              <a:t>상품목록추가</a:t>
+            </a:r>
+            <a:endParaRPr lang="ko-KR" altLang="en-US" sz="1600" b="1" dirty="0" smtClean="0">
+              <a:solidFill>
+                <a:schemeClr val="tx1"/>
+              </a:solidFill>
+            </a:endParaRPr>
+          </a:p>
+        </p:txBody>
+      </p:sp>
+      <p:sp>
+        <p:nvSpPr>
+          <p:cNvPr id="81" name="TextBox 80"/>
+          <p:cNvSpPr txBox="1"/>
+          <p:nvPr/>
+        </p:nvSpPr>
+        <p:spPr>
+          <a:xfrm>
+            <a:off x="7232895" y="4296893"/>
+            <a:ext cx="1750800" cy="276999"/>
+          </a:xfrm>
+          <a:prstGeom prst="rect">
+            <a:avLst/>
+          </a:prstGeom>
+          <a:noFill/>
+        </p:spPr>
+        <p:txBody>
+          <a:bodyPr wrap="none" rtlCol="0">
+            <a:spAutoFit/>
+          </a:bodyPr>
+          <a:lstStyle/>
+          <a:p>
+            <a:r>
+              <a:rPr lang="ko-KR" altLang="en-US" sz="1200" dirty="0" smtClean="0"/>
+              <a:t>옵션 선택</a:t>
+            </a:r>
+            <a:r>
+              <a:rPr lang="en-US" altLang="ko-KR" sz="1200" dirty="0" smtClean="0"/>
               <a:t>(</a:t>
             </a:r>
             <a:r>
-              <a:rPr lang="ko-KR" altLang="en-US" dirty="0" smtClean="0"/>
-              <a:t>데이터베이스</a:t>
-            </a:r>
-            <a:r>
-              <a:rPr lang="en-US" altLang="ko-KR" dirty="0" smtClean="0"/>
+              <a:rPr lang="ko-KR" altLang="en-US" sz="1200" dirty="0" smtClean="0"/>
+              <a:t>사이즈</a:t>
+            </a:r>
+            <a:r>
+              <a:rPr lang="en-US" altLang="ko-KR" sz="1200" dirty="0" smtClean="0"/>
+              <a:t>,</a:t>
+            </a:r>
+            <a:r>
+              <a:rPr lang="ko-KR" altLang="en-US" sz="1200" dirty="0" smtClean="0"/>
+              <a:t>색상</a:t>
+            </a:r>
+            <a:r>
+              <a:rPr lang="en-US" altLang="ko-KR" sz="1200" dirty="0" smtClean="0"/>
+              <a:t>)</a:t>
+            </a:r>
+            <a:endParaRPr lang="en-US" altLang="ko-KR" sz="1200" dirty="0" smtClean="0"/>
+          </a:p>
+        </p:txBody>
+      </p:sp>
+      <p:cxnSp>
+        <p:nvCxnSpPr>
+          <p:cNvPr id="82" name="직선 화살표 연결선 81"/>
+          <p:cNvCxnSpPr/>
+          <p:nvPr/>
+        </p:nvCxnSpPr>
+        <p:spPr>
+          <a:xfrm flipV="1">
+            <a:off x="7146698" y="2111907"/>
+            <a:ext cx="0" cy="806220"/>
+          </a:xfrm>
+          <a:prstGeom prst="straightConnector1">
+            <a:avLst/>
+          </a:prstGeom>
+          <a:ln>
+            <a:tailEnd type="arrow"/>
+          </a:ln>
+        </p:spPr>
+        <p:style>
+          <a:lnRef idx="1">
+            <a:schemeClr val="accent1"/>
+          </a:lnRef>
+          <a:fillRef idx="0">
+            <a:schemeClr val="accent1"/>
+          </a:fillRef>
+          <a:effectRef idx="0">
+            <a:schemeClr val="accent1"/>
+          </a:effectRef>
+          <a:fontRef idx="minor">
+            <a:schemeClr val="tx1"/>
+          </a:fontRef>
+        </p:style>
+      </p:cxnSp>
+      <p:sp>
+        <p:nvSpPr>
+          <p:cNvPr id="84" name="TextBox 83"/>
+          <p:cNvSpPr txBox="1"/>
+          <p:nvPr/>
+        </p:nvSpPr>
+        <p:spPr>
+          <a:xfrm>
+            <a:off x="7098961" y="2455737"/>
+            <a:ext cx="1733167" cy="276999"/>
+          </a:xfrm>
+          <a:prstGeom prst="rect">
+            <a:avLst/>
+          </a:prstGeom>
+          <a:noFill/>
+        </p:spPr>
+        <p:txBody>
+          <a:bodyPr wrap="none" rtlCol="0">
+            <a:spAutoFit/>
+          </a:bodyPr>
+          <a:lstStyle/>
+          <a:p>
+            <a:r>
+              <a:rPr lang="ko-KR" altLang="en-US" sz="1200" dirty="0" smtClean="0"/>
+              <a:t>옵션 추가된 상품 목록</a:t>
+            </a:r>
+            <a:endParaRPr lang="en-US" altLang="ko-KR" sz="1200" dirty="0" smtClean="0"/>
+          </a:p>
+        </p:txBody>
+      </p:sp>
+      <p:sp>
+        <p:nvSpPr>
+          <p:cNvPr id="86" name="직사각형 85"/>
+          <p:cNvSpPr/>
+          <p:nvPr/>
+        </p:nvSpPr>
+        <p:spPr>
+          <a:xfrm>
+            <a:off x="6570859" y="1046514"/>
+            <a:ext cx="1384008" cy="720080"/>
+          </a:xfrm>
+          <a:prstGeom prst="rect">
+            <a:avLst/>
+          </a:prstGeom>
+        </p:spPr>
+        <p:style>
+          <a:lnRef idx="2">
+            <a:schemeClr val="accent1">
+              <a:shade val="50000"/>
+            </a:schemeClr>
+          </a:lnRef>
+          <a:fillRef idx="1">
+            <a:schemeClr val="accent1"/>
+          </a:fillRef>
+          <a:effectRef idx="0">
+            <a:schemeClr val="accent1"/>
+          </a:effectRef>
+          <a:fontRef idx="minor">
+            <a:schemeClr val="lt1"/>
+          </a:fontRef>
+        </p:style>
+        <p:txBody>
+          <a:bodyPr rtlCol="0" anchor="ctr"/>
+          <a:lstStyle/>
+          <a:p>
+            <a:pPr algn="ctr"/>
+            <a:r>
+              <a:rPr lang="ko-KR" altLang="en-US" sz="1600" b="1" dirty="0" smtClean="0">
+                <a:solidFill>
+                  <a:schemeClr val="tx1"/>
+                </a:solidFill>
+              </a:rPr>
+              <a:t>상품</a:t>
+            </a:r>
+            <a:r>
+              <a:rPr lang="en-US" altLang="ko-KR" sz="1600" b="1" dirty="0" smtClean="0">
+                <a:solidFill>
+                  <a:schemeClr val="tx1"/>
+                </a:solidFill>
+              </a:rPr>
               <a:t>(</a:t>
             </a:r>
             <a:r>
-              <a:rPr lang="ko-KR" altLang="en-US" dirty="0" smtClean="0"/>
-              <a:t>테이블</a:t>
-            </a:r>
-            <a:r>
-              <a:rPr lang="en-US" altLang="ko-KR" dirty="0" smtClean="0"/>
+              <a:rPr lang="ko-KR" altLang="en-US" sz="1600" b="1" dirty="0" smtClean="0">
+                <a:solidFill>
+                  <a:schemeClr val="tx1"/>
+                </a:solidFill>
+              </a:rPr>
+              <a:t>옵션</a:t>
+            </a:r>
+            <a:r>
+              <a:rPr lang="en-US" altLang="ko-KR" sz="1600" b="1" dirty="0" smtClean="0">
+                <a:solidFill>
+                  <a:schemeClr val="tx1"/>
+                </a:solidFill>
+              </a:rPr>
               <a:t>)</a:t>
             </a:r>
-          </a:p>
-          <a:p>
-            <a:pPr lvl="1"/>
-            <a:r>
-              <a:rPr lang="en-US" altLang="ko-KR" dirty="0" smtClean="0"/>
-              <a:t>Process: </a:t>
-            </a:r>
-            <a:r>
-              <a:rPr lang="ko-KR" altLang="en-US" dirty="0" smtClean="0"/>
-              <a:t>자료를 입력 받아 처리하는 알고리즘</a:t>
-            </a:r>
-            <a:r>
-              <a:rPr lang="en-US" altLang="ko-KR" dirty="0" smtClean="0"/>
-              <a:t>(</a:t>
-            </a:r>
-            <a:r>
-              <a:rPr lang="ko-KR" altLang="en-US" dirty="0" smtClean="0"/>
-              <a:t>성적 계산</a:t>
-            </a:r>
-            <a:r>
-              <a:rPr lang="en-US" altLang="ko-KR" dirty="0" smtClean="0"/>
-              <a:t>)</a:t>
-            </a:r>
-          </a:p>
-        </p:txBody>
-      </p:sp>
-      <p:pic>
-        <p:nvPicPr>
-          <p:cNvPr id="4" name="그림 3"/>
-          <p:cNvPicPr>
-            <a:picLocks noChangeAspect="1"/>
-          </p:cNvPicPr>
-          <p:nvPr/>
-        </p:nvPicPr>
-        <p:blipFill>
-          <a:blip r:embed="rId2">
-            <a:extLst>
-              <a:ext uri="{28A0092B-C50C-407E-A947-70E740481C1C}">
-                <a14:useLocalDpi xmlns:a14="http://schemas.microsoft.com/office/drawing/2010/main" val="0"/>
-              </a:ext>
-            </a:extLst>
-          </a:blip>
-          <a:stretch>
-            <a:fillRect/>
-          </a:stretch>
-        </p:blipFill>
-        <p:spPr>
-          <a:xfrm>
-            <a:off x="1826695" y="728698"/>
-            <a:ext cx="5529948" cy="3678919"/>
+            <a:r>
+              <a:rPr lang="ko-KR" altLang="en-US" sz="1600" b="1" dirty="0" smtClean="0">
+                <a:solidFill>
+                  <a:schemeClr val="tx1"/>
+                </a:solidFill>
+              </a:rPr>
+              <a:t>목록</a:t>
+            </a:r>
+            <a:endParaRPr lang="ko-KR" altLang="en-US" sz="1600" b="1" dirty="0">
+              <a:solidFill>
+                <a:schemeClr val="tx1"/>
+              </a:solidFill>
+            </a:endParaRPr>
+          </a:p>
+        </p:txBody>
+      </p:sp>
+      <p:cxnSp>
+        <p:nvCxnSpPr>
+          <p:cNvPr id="87" name="직선 화살표 연결선 86"/>
+          <p:cNvCxnSpPr/>
+          <p:nvPr/>
+        </p:nvCxnSpPr>
+        <p:spPr>
+          <a:xfrm flipH="1">
+            <a:off x="5456082" y="1301853"/>
+            <a:ext cx="943498" cy="19553"/>
+          </a:xfrm>
+          <a:prstGeom prst="straightConnector1">
+            <a:avLst/>
+          </a:prstGeom>
+          <a:ln>
+            <a:tailEnd type="arrow"/>
+          </a:ln>
+        </p:spPr>
+        <p:style>
+          <a:lnRef idx="1">
+            <a:schemeClr val="accent1"/>
+          </a:lnRef>
+          <a:fillRef idx="0">
+            <a:schemeClr val="accent1"/>
+          </a:fillRef>
+          <a:effectRef idx="0">
+            <a:schemeClr val="accent1"/>
+          </a:effectRef>
+          <a:fontRef idx="minor">
+            <a:schemeClr val="tx1"/>
+          </a:fontRef>
+        </p:style>
+      </p:cxnSp>
+      <p:sp>
+        <p:nvSpPr>
+          <p:cNvPr id="89" name="TextBox 88"/>
+          <p:cNvSpPr txBox="1"/>
+          <p:nvPr/>
+        </p:nvSpPr>
+        <p:spPr>
+          <a:xfrm>
+            <a:off x="5285209" y="871189"/>
+            <a:ext cx="1141659" cy="276999"/>
           </a:xfrm>
           <a:prstGeom prst="rect">
             <a:avLst/>
           </a:prstGeom>
-        </p:spPr>
-      </p:pic>
+          <a:noFill/>
+        </p:spPr>
+        <p:txBody>
+          <a:bodyPr wrap="none" rtlCol="0">
+            <a:spAutoFit/>
+          </a:bodyPr>
+          <a:lstStyle/>
+          <a:p>
+            <a:r>
+              <a:rPr lang="ko-KR" altLang="en-US" sz="1200" dirty="0" err="1" smtClean="0"/>
+              <a:t>상품코드</a:t>
+            </a:r>
+            <a:r>
+              <a:rPr lang="en-US" altLang="ko-KR" sz="1200" dirty="0" smtClean="0"/>
+              <a:t>,</a:t>
+            </a:r>
+            <a:r>
+              <a:rPr lang="ko-KR" altLang="en-US" sz="1200" dirty="0" smtClean="0"/>
+              <a:t>옵션</a:t>
+            </a:r>
+            <a:endParaRPr lang="en-US" altLang="ko-KR" sz="1200" dirty="0" smtClean="0"/>
+          </a:p>
+        </p:txBody>
+      </p:sp>
+      <p:sp>
+        <p:nvSpPr>
+          <p:cNvPr id="90" name="타원 89"/>
+          <p:cNvSpPr/>
+          <p:nvPr/>
+        </p:nvSpPr>
+        <p:spPr>
+          <a:xfrm>
+            <a:off x="3635896" y="778647"/>
+            <a:ext cx="1504931" cy="864096"/>
+          </a:xfrm>
+          <a:prstGeom prst="ellipse">
+            <a:avLst/>
+          </a:prstGeom>
+        </p:spPr>
+        <p:style>
+          <a:lnRef idx="2">
+            <a:schemeClr val="accent1">
+              <a:shade val="50000"/>
+            </a:schemeClr>
+          </a:lnRef>
+          <a:fillRef idx="1">
+            <a:schemeClr val="accent1"/>
+          </a:fillRef>
+          <a:effectRef idx="0">
+            <a:schemeClr val="accent1"/>
+          </a:effectRef>
+          <a:fontRef idx="minor">
+            <a:schemeClr val="lt1"/>
+          </a:fontRef>
+        </p:style>
+        <p:txBody>
+          <a:bodyPr rot="0" spcFirstLastPara="0" vertOverflow="overflow" horzOverflow="overflow" vert="horz" wrap="square" lIns="91440" tIns="45720" rIns="91440" bIns="45720" numCol="1" spcCol="0" rtlCol="0" fromWordArt="0" anchor="ctr" anchorCtr="0" forceAA="0" compatLnSpc="1">
+            <a:prstTxWarp prst="textNoShape">
+              <a:avLst/>
+            </a:prstTxWarp>
+            <a:noAutofit/>
+          </a:bodyPr>
+          <a:lstStyle/>
+          <a:p>
+            <a:pPr algn="ctr"/>
+            <a:r>
+              <a:rPr lang="ko-KR" altLang="en-US" sz="1600" b="1" smtClean="0">
+                <a:solidFill>
+                  <a:schemeClr val="tx1"/>
+                </a:solidFill>
+              </a:rPr>
+              <a:t>장바구니 </a:t>
+            </a:r>
+            <a:r>
+              <a:rPr lang="ko-KR" altLang="en-US" sz="1600" b="1" dirty="0" err="1" smtClean="0">
+                <a:solidFill>
+                  <a:schemeClr val="tx1"/>
+                </a:solidFill>
+              </a:rPr>
+              <a:t>중복확인</a:t>
+            </a:r>
+            <a:endParaRPr lang="ko-KR" altLang="en-US" sz="1600" b="1" dirty="0" smtClean="0">
+              <a:solidFill>
+                <a:schemeClr val="tx1"/>
+              </a:solidFill>
+            </a:endParaRPr>
+          </a:p>
+        </p:txBody>
+      </p:sp>
+      <p:cxnSp>
+        <p:nvCxnSpPr>
+          <p:cNvPr id="91" name="직선 화살표 연결선 90"/>
+          <p:cNvCxnSpPr/>
+          <p:nvPr/>
+        </p:nvCxnSpPr>
+        <p:spPr>
+          <a:xfrm flipH="1">
+            <a:off x="2905611" y="1105103"/>
+            <a:ext cx="644646" cy="11281"/>
+          </a:xfrm>
+          <a:prstGeom prst="straightConnector1">
+            <a:avLst/>
+          </a:prstGeom>
+          <a:ln>
+            <a:tailEnd type="arrow"/>
+          </a:ln>
+        </p:spPr>
+        <p:style>
+          <a:lnRef idx="1">
+            <a:schemeClr val="accent1"/>
+          </a:lnRef>
+          <a:fillRef idx="0">
+            <a:schemeClr val="accent1"/>
+          </a:fillRef>
+          <a:effectRef idx="0">
+            <a:schemeClr val="accent1"/>
+          </a:effectRef>
+          <a:fontRef idx="minor">
+            <a:schemeClr val="tx1"/>
+          </a:fontRef>
+        </p:style>
+      </p:cxnSp>
+      <p:grpSp>
+        <p:nvGrpSpPr>
+          <p:cNvPr id="93" name="그룹 92"/>
+          <p:cNvGrpSpPr/>
+          <p:nvPr/>
+        </p:nvGrpSpPr>
+        <p:grpSpPr>
+          <a:xfrm>
+            <a:off x="1724880" y="1014461"/>
+            <a:ext cx="1196000" cy="504056"/>
+            <a:chOff x="2641852" y="5301208"/>
+            <a:chExt cx="1196000" cy="504056"/>
+          </a:xfrm>
+        </p:grpSpPr>
+        <p:cxnSp>
+          <p:nvCxnSpPr>
+            <p:cNvPr id="94" name="직선 연결선 93"/>
+            <p:cNvCxnSpPr/>
+            <p:nvPr/>
+          </p:nvCxnSpPr>
+          <p:spPr>
+            <a:xfrm>
+              <a:off x="2641852" y="5301208"/>
+              <a:ext cx="1170895" cy="0"/>
+            </a:xfrm>
+            <a:prstGeom prst="line">
+              <a:avLst/>
+            </a:prstGeom>
+            <a:ln w="38100"/>
+          </p:spPr>
+          <p:style>
+            <a:lnRef idx="1">
+              <a:schemeClr val="accent1"/>
+            </a:lnRef>
+            <a:fillRef idx="0">
+              <a:schemeClr val="accent1"/>
+            </a:fillRef>
+            <a:effectRef idx="0">
+              <a:schemeClr val="accent1"/>
+            </a:effectRef>
+            <a:fontRef idx="minor">
+              <a:schemeClr val="tx1"/>
+            </a:fontRef>
+          </p:style>
+        </p:cxnSp>
+        <p:sp>
+          <p:nvSpPr>
+            <p:cNvPr id="95" name="TextBox 94"/>
+            <p:cNvSpPr txBox="1"/>
+            <p:nvPr/>
+          </p:nvSpPr>
+          <p:spPr>
+            <a:xfrm>
+              <a:off x="2677189" y="5373216"/>
+              <a:ext cx="1107996" cy="369332"/>
+            </a:xfrm>
+            <a:prstGeom prst="rect">
+              <a:avLst/>
+            </a:prstGeom>
+            <a:noFill/>
+          </p:spPr>
+          <p:txBody>
+            <a:bodyPr wrap="none" rtlCol="0">
+              <a:spAutoFit/>
+            </a:bodyPr>
+            <a:lstStyle/>
+            <a:p>
+              <a:r>
+                <a:rPr lang="ko-KR" altLang="en-US" b="1" dirty="0" err="1" smtClean="0"/>
+                <a:t>장바정보</a:t>
+              </a:r>
+              <a:endParaRPr lang="ko-KR" altLang="en-US" b="1" dirty="0"/>
+            </a:p>
+          </p:txBody>
+        </p:sp>
+        <p:cxnSp>
+          <p:nvCxnSpPr>
+            <p:cNvPr id="96" name="직선 연결선 95"/>
+            <p:cNvCxnSpPr/>
+            <p:nvPr/>
+          </p:nvCxnSpPr>
+          <p:spPr>
+            <a:xfrm>
+              <a:off x="2666957" y="5805264"/>
+              <a:ext cx="1170895" cy="0"/>
+            </a:xfrm>
+            <a:prstGeom prst="line">
+              <a:avLst/>
+            </a:prstGeom>
+            <a:ln w="38100"/>
+          </p:spPr>
+          <p:style>
+            <a:lnRef idx="1">
+              <a:schemeClr val="accent1"/>
+            </a:lnRef>
+            <a:fillRef idx="0">
+              <a:schemeClr val="accent1"/>
+            </a:fillRef>
+            <a:effectRef idx="0">
+              <a:schemeClr val="accent1"/>
+            </a:effectRef>
+            <a:fontRef idx="minor">
+              <a:schemeClr val="tx1"/>
+            </a:fontRef>
+          </p:style>
+        </p:cxnSp>
+      </p:grpSp>
+      <p:cxnSp>
+        <p:nvCxnSpPr>
+          <p:cNvPr id="97" name="직선 화살표 연결선 96"/>
+          <p:cNvCxnSpPr/>
+          <p:nvPr/>
+        </p:nvCxnSpPr>
+        <p:spPr>
+          <a:xfrm flipV="1">
+            <a:off x="3039492" y="1399078"/>
+            <a:ext cx="479710" cy="7476"/>
+          </a:xfrm>
+          <a:prstGeom prst="straightConnector1">
+            <a:avLst/>
+          </a:prstGeom>
+          <a:ln w="25400">
+            <a:prstDash val="sysDot"/>
+            <a:tailEnd type="arrow"/>
+          </a:ln>
+        </p:spPr>
+        <p:style>
+          <a:lnRef idx="1">
+            <a:schemeClr val="accent1"/>
+          </a:lnRef>
+          <a:fillRef idx="0">
+            <a:schemeClr val="accent1"/>
+          </a:fillRef>
+          <a:effectRef idx="0">
+            <a:schemeClr val="accent1"/>
+          </a:effectRef>
+          <a:fontRef idx="minor">
+            <a:schemeClr val="tx1"/>
+          </a:fontRef>
+        </p:style>
+      </p:cxnSp>
+      <p:sp>
+        <p:nvSpPr>
+          <p:cNvPr id="101" name="TextBox 100"/>
+          <p:cNvSpPr txBox="1"/>
+          <p:nvPr/>
+        </p:nvSpPr>
+        <p:spPr>
+          <a:xfrm>
+            <a:off x="2723531" y="651057"/>
+            <a:ext cx="1141659" cy="276999"/>
+          </a:xfrm>
+          <a:prstGeom prst="rect">
+            <a:avLst/>
+          </a:prstGeom>
+          <a:noFill/>
+        </p:spPr>
+        <p:txBody>
+          <a:bodyPr wrap="none" rtlCol="0">
+            <a:spAutoFit/>
+          </a:bodyPr>
+          <a:lstStyle/>
+          <a:p>
+            <a:r>
+              <a:rPr lang="ko-KR" altLang="en-US" sz="1200" dirty="0" err="1" smtClean="0"/>
+              <a:t>상품코드</a:t>
+            </a:r>
+            <a:r>
+              <a:rPr lang="en-US" altLang="ko-KR" sz="1200" dirty="0" smtClean="0"/>
+              <a:t>,</a:t>
+            </a:r>
+            <a:r>
+              <a:rPr lang="ko-KR" altLang="en-US" sz="1200" dirty="0" smtClean="0"/>
+              <a:t>옵션</a:t>
+            </a:r>
+            <a:endParaRPr lang="en-US" altLang="ko-KR" sz="1200" dirty="0" smtClean="0"/>
+          </a:p>
+        </p:txBody>
+      </p:sp>
+      <p:sp>
+        <p:nvSpPr>
+          <p:cNvPr id="102" name="TextBox 101"/>
+          <p:cNvSpPr txBox="1"/>
+          <p:nvPr/>
+        </p:nvSpPr>
+        <p:spPr>
+          <a:xfrm>
+            <a:off x="2750037" y="1543879"/>
+            <a:ext cx="800219" cy="276999"/>
+          </a:xfrm>
+          <a:prstGeom prst="rect">
+            <a:avLst/>
+          </a:prstGeom>
+          <a:noFill/>
+        </p:spPr>
+        <p:txBody>
+          <a:bodyPr wrap="none" rtlCol="0">
+            <a:spAutoFit/>
+          </a:bodyPr>
+          <a:lstStyle/>
+          <a:p>
+            <a:r>
+              <a:rPr lang="ko-KR" altLang="en-US" sz="1200" dirty="0" err="1" smtClean="0"/>
+              <a:t>중복결과</a:t>
+            </a:r>
+            <a:endParaRPr lang="en-US" altLang="ko-KR" sz="1200" dirty="0" smtClean="0"/>
+          </a:p>
+        </p:txBody>
+      </p:sp>
+      <p:cxnSp>
+        <p:nvCxnSpPr>
+          <p:cNvPr id="106" name="직선 화살표 연결선 105"/>
+          <p:cNvCxnSpPr/>
+          <p:nvPr/>
+        </p:nvCxnSpPr>
+        <p:spPr>
+          <a:xfrm>
+            <a:off x="4397527" y="1785657"/>
+            <a:ext cx="329975" cy="457683"/>
+          </a:xfrm>
+          <a:prstGeom prst="straightConnector1">
+            <a:avLst/>
+          </a:prstGeom>
+          <a:ln>
+            <a:tailEnd type="arrow"/>
+          </a:ln>
+        </p:spPr>
+        <p:style>
+          <a:lnRef idx="1">
+            <a:schemeClr val="accent1"/>
+          </a:lnRef>
+          <a:fillRef idx="0">
+            <a:schemeClr val="accent1"/>
+          </a:fillRef>
+          <a:effectRef idx="0">
+            <a:schemeClr val="accent1"/>
+          </a:effectRef>
+          <a:fontRef idx="minor">
+            <a:schemeClr val="tx1"/>
+          </a:fontRef>
+        </p:style>
+      </p:cxnSp>
+      <p:sp>
+        <p:nvSpPr>
+          <p:cNvPr id="109" name="직사각형 108"/>
+          <p:cNvSpPr/>
+          <p:nvPr/>
+        </p:nvSpPr>
+        <p:spPr>
+          <a:xfrm>
+            <a:off x="4350830" y="2354902"/>
+            <a:ext cx="1236238" cy="720080"/>
+          </a:xfrm>
+          <a:prstGeom prst="rect">
+            <a:avLst/>
+          </a:prstGeom>
+        </p:spPr>
+        <p:style>
+          <a:lnRef idx="2">
+            <a:schemeClr val="accent1">
+              <a:shade val="50000"/>
+            </a:schemeClr>
+          </a:lnRef>
+          <a:fillRef idx="1">
+            <a:schemeClr val="accent1"/>
+          </a:fillRef>
+          <a:effectRef idx="0">
+            <a:schemeClr val="accent1"/>
+          </a:effectRef>
+          <a:fontRef idx="minor">
+            <a:schemeClr val="lt1"/>
+          </a:fontRef>
+        </p:style>
+        <p:txBody>
+          <a:bodyPr rtlCol="0" anchor="ctr"/>
+          <a:lstStyle/>
+          <a:p>
+            <a:pPr algn="ctr"/>
+            <a:r>
+              <a:rPr lang="ko-KR" altLang="en-US" sz="1600" b="1" dirty="0" err="1" smtClean="0">
+                <a:solidFill>
+                  <a:schemeClr val="tx1"/>
+                </a:solidFill>
+              </a:rPr>
+              <a:t>중복결과</a:t>
+            </a:r>
+            <a:endParaRPr lang="en-US" altLang="ko-KR" sz="1600" b="1" dirty="0" smtClean="0">
+              <a:solidFill>
+                <a:schemeClr val="tx1"/>
+              </a:solidFill>
+            </a:endParaRPr>
+          </a:p>
+          <a:p>
+            <a:pPr algn="ctr"/>
+            <a:r>
+              <a:rPr lang="ko-KR" altLang="en-US" sz="1600" b="1" dirty="0" err="1" smtClean="0">
+                <a:solidFill>
+                  <a:schemeClr val="tx1"/>
+                </a:solidFill>
+              </a:rPr>
+              <a:t>확인화면</a:t>
+            </a:r>
+            <a:endParaRPr lang="ko-KR" altLang="en-US" sz="1600" b="1" dirty="0">
+              <a:solidFill>
+                <a:schemeClr val="tx1"/>
+              </a:solidFill>
+            </a:endParaRPr>
+          </a:p>
+        </p:txBody>
+      </p:sp>
+      <p:cxnSp>
+        <p:nvCxnSpPr>
+          <p:cNvPr id="110" name="직선 화살표 연결선 109"/>
+          <p:cNvCxnSpPr/>
+          <p:nvPr/>
+        </p:nvCxnSpPr>
+        <p:spPr>
+          <a:xfrm>
+            <a:off x="5155567" y="3195710"/>
+            <a:ext cx="329975" cy="457683"/>
+          </a:xfrm>
+          <a:prstGeom prst="straightConnector1">
+            <a:avLst/>
+          </a:prstGeom>
+          <a:ln>
+            <a:tailEnd type="arrow"/>
+          </a:ln>
+        </p:spPr>
+        <p:style>
+          <a:lnRef idx="1">
+            <a:schemeClr val="accent1"/>
+          </a:lnRef>
+          <a:fillRef idx="0">
+            <a:schemeClr val="accent1"/>
+          </a:fillRef>
+          <a:effectRef idx="0">
+            <a:schemeClr val="accent1"/>
+          </a:effectRef>
+          <a:fontRef idx="minor">
+            <a:schemeClr val="tx1"/>
+          </a:fontRef>
+        </p:style>
+      </p:cxnSp>
+      <p:sp>
+        <p:nvSpPr>
+          <p:cNvPr id="111" name="타원 110"/>
+          <p:cNvSpPr/>
+          <p:nvPr/>
+        </p:nvSpPr>
+        <p:spPr>
+          <a:xfrm>
+            <a:off x="5252401" y="3695556"/>
+            <a:ext cx="1481264" cy="864096"/>
+          </a:xfrm>
+          <a:prstGeom prst="ellipse">
+            <a:avLst/>
+          </a:prstGeom>
+        </p:spPr>
+        <p:style>
+          <a:lnRef idx="2">
+            <a:schemeClr val="accent1">
+              <a:shade val="50000"/>
+            </a:schemeClr>
+          </a:lnRef>
+          <a:fillRef idx="1">
+            <a:schemeClr val="accent1"/>
+          </a:fillRef>
+          <a:effectRef idx="0">
+            <a:schemeClr val="accent1"/>
+          </a:effectRef>
+          <a:fontRef idx="minor">
+            <a:schemeClr val="lt1"/>
+          </a:fontRef>
+        </p:style>
+        <p:txBody>
+          <a:bodyPr rot="0" spcFirstLastPara="0" vertOverflow="overflow" horzOverflow="overflow" vert="horz" wrap="square" lIns="91440" tIns="45720" rIns="91440" bIns="45720" numCol="1" spcCol="0" rtlCol="0" fromWordArt="0" anchor="ctr" anchorCtr="0" forceAA="0" compatLnSpc="1">
+            <a:prstTxWarp prst="textNoShape">
+              <a:avLst/>
+            </a:prstTxWarp>
+            <a:noAutofit/>
+          </a:bodyPr>
+          <a:lstStyle/>
+          <a:p>
+            <a:pPr algn="ctr"/>
+            <a:r>
+              <a:rPr lang="ko-KR" altLang="en-US" sz="1600" b="1" smtClean="0">
+                <a:solidFill>
+                  <a:schemeClr val="tx1"/>
+                </a:solidFill>
+              </a:rPr>
+              <a:t>장바구니담기</a:t>
+            </a:r>
+            <a:endParaRPr lang="en-US" altLang="ko-KR" sz="1600" b="1" dirty="0" smtClean="0">
+              <a:solidFill>
+                <a:schemeClr val="tx1"/>
+              </a:solidFill>
+            </a:endParaRPr>
+          </a:p>
+        </p:txBody>
+      </p:sp>
     </p:spTree>
     <p:extLst>
       <p:ext uri="{BB962C8B-B14F-4D97-AF65-F5344CB8AC3E}">
-        <p14:creationId xmlns:p14="http://schemas.microsoft.com/office/powerpoint/2010/main" val="3464595216"/>
+        <p14:creationId xmlns:p14="http://schemas.microsoft.com/office/powerpoint/2010/main" val="1001665498"/>
       </p:ext>
     </p:extLst>
   </p:cSld>
@@ -5344,12 +7027,12 @@
       </p:grpSpPr>
       <p:sp>
         <p:nvSpPr>
-          <p:cNvPr id="2" name="슬라이드 번호 개체 틀 1"/>
+          <p:cNvPr id="2" name="제목 1"/>
           <p:cNvSpPr>
             <a:spLocks noGrp="1"/>
           </p:cNvSpPr>
           <p:nvPr>
-            <p:ph type="sldNum" sz="quarter" idx="12"/>
+            <p:ph type="title"/>
           </p:nvPr>
         </p:nvSpPr>
         <p:spPr/>
@@ -5357,139 +7040,1840 @@
           <a:bodyPr/>
           <a:lstStyle/>
           <a:p>
-            <a:fld id="{8E974B11-60DB-405B-8211-256C6E064270}" type="slidenum">
-              <a:rPr lang="ko-KR" altLang="en-US" smtClean="0"/>
-              <a:pPr/>
-              <a:t>4</a:t>
-            </a:fld>
+            <a:r>
+              <a:rPr lang="en-US" altLang="ko-KR" dirty="0" smtClean="0"/>
+              <a:t>DFD(Data Flow D) </a:t>
+            </a:r>
+            <a:r>
+              <a:rPr lang="en-US" altLang="ko-KR" dirty="0" smtClean="0"/>
+              <a:t>- </a:t>
+            </a:r>
+            <a:r>
+              <a:rPr lang="ko-KR" altLang="en-US" dirty="0" smtClean="0"/>
+              <a:t>주문</a:t>
+            </a:r>
             <a:endParaRPr lang="ko-KR" altLang="en-US" dirty="0"/>
           </a:p>
         </p:txBody>
       </p:sp>
-      <p:pic>
-        <p:nvPicPr>
-          <p:cNvPr id="3" name="그림 2" descr="dfd검색"/>
-          <p:cNvPicPr/>
-          <p:nvPr/>
-        </p:nvPicPr>
-        <p:blipFill>
-          <a:blip r:embed="rId2" cstate="print">
-            <a:extLst>
-              <a:ext uri="{28A0092B-C50C-407E-A947-70E740481C1C}">
-                <a14:useLocalDpi xmlns:a14="http://schemas.microsoft.com/office/drawing/2010/main" val="0"/>
-              </a:ext>
-            </a:extLst>
-          </a:blip>
-          <a:srcRect/>
-          <a:stretch>
-            <a:fillRect/>
-          </a:stretch>
-        </p:blipFill>
-        <p:spPr bwMode="auto">
-          <a:xfrm>
-            <a:off x="1115616" y="1095941"/>
-            <a:ext cx="6984776" cy="5011757"/>
+      <p:cxnSp>
+        <p:nvCxnSpPr>
+          <p:cNvPr id="8" name="직선 화살표 연결선 7"/>
+          <p:cNvCxnSpPr/>
+          <p:nvPr/>
+        </p:nvCxnSpPr>
+        <p:spPr>
+          <a:xfrm>
+            <a:off x="1455163" y="-270390"/>
+            <a:ext cx="1512168" cy="0"/>
+          </a:xfrm>
+          <a:prstGeom prst="straightConnector1">
+            <a:avLst/>
+          </a:prstGeom>
+          <a:ln w="25400">
+            <a:prstDash val="sysDot"/>
+            <a:tailEnd type="arrow"/>
+          </a:ln>
+        </p:spPr>
+        <p:style>
+          <a:lnRef idx="1">
+            <a:schemeClr val="accent1"/>
+          </a:lnRef>
+          <a:fillRef idx="0">
+            <a:schemeClr val="accent1"/>
+          </a:fillRef>
+          <a:effectRef idx="0">
+            <a:schemeClr val="accent1"/>
+          </a:effectRef>
+          <a:fontRef idx="minor">
+            <a:schemeClr val="tx1"/>
+          </a:fontRef>
+        </p:style>
+      </p:cxnSp>
+      <p:cxnSp>
+        <p:nvCxnSpPr>
+          <p:cNvPr id="12" name="직선 화살표 연결선 11"/>
+          <p:cNvCxnSpPr/>
+          <p:nvPr/>
+        </p:nvCxnSpPr>
+        <p:spPr>
+          <a:xfrm>
+            <a:off x="3200797" y="-270631"/>
+            <a:ext cx="1368152" cy="0"/>
+          </a:xfrm>
+          <a:prstGeom prst="straightConnector1">
+            <a:avLst/>
+          </a:prstGeom>
+          <a:ln>
+            <a:tailEnd type="arrow"/>
+          </a:ln>
+        </p:spPr>
+        <p:style>
+          <a:lnRef idx="1">
+            <a:schemeClr val="accent1"/>
+          </a:lnRef>
+          <a:fillRef idx="0">
+            <a:schemeClr val="accent1"/>
+          </a:fillRef>
+          <a:effectRef idx="0">
+            <a:schemeClr val="accent1"/>
+          </a:effectRef>
+          <a:fontRef idx="minor">
+            <a:schemeClr val="tx1"/>
+          </a:fontRef>
+        </p:style>
+      </p:cxnSp>
+      <p:sp>
+        <p:nvSpPr>
+          <p:cNvPr id="13" name="TextBox 12"/>
+          <p:cNvSpPr txBox="1"/>
+          <p:nvPr/>
+        </p:nvSpPr>
+        <p:spPr>
+          <a:xfrm>
+            <a:off x="3128336" y="-702679"/>
+            <a:ext cx="1651414" cy="369332"/>
           </a:xfrm>
           <a:prstGeom prst="rect">
             <a:avLst/>
           </a:prstGeom>
           <a:noFill/>
-          <a:ln w="6350" cmpd="sng">
-            <a:solidFill>
-              <a:schemeClr val="bg1">
-                <a:lumMod val="65000"/>
-                <a:lumOff val="0"/>
-              </a:schemeClr>
-            </a:solidFill>
-            <a:miter lim="800000"/>
-            <a:headEnd/>
-            <a:tailEnd/>
-          </a:ln>
-          <a:effectLst/>
-        </p:spPr>
-      </p:pic>
-      <p:sp>
-        <p:nvSpPr>
-          <p:cNvPr id="4" name="TextBox 3"/>
-          <p:cNvSpPr txBox="1"/>
-          <p:nvPr/>
-        </p:nvSpPr>
-        <p:spPr>
-          <a:xfrm>
-            <a:off x="323527" y="107340"/>
-            <a:ext cx="5904657" cy="369332"/>
-          </a:xfrm>
-          <a:prstGeom prst="rect">
-            <a:avLst/>
-          </a:prstGeom>
-          <a:noFill/>
-        </p:spPr>
-        <p:txBody>
-          <a:bodyPr wrap="square" rtlCol="0">
+        </p:spPr>
+        <p:txBody>
+          <a:bodyPr wrap="none" rtlCol="0">
             <a:spAutoFit/>
           </a:bodyPr>
           <a:lstStyle/>
           <a:p>
             <a:r>
-              <a:rPr lang="ko-KR" altLang="en-US" b="1" smtClean="0">
+              <a:rPr lang="ko-KR" altLang="en-US" dirty="0" smtClean="0"/>
+              <a:t>프로세스 흐름</a:t>
+            </a:r>
+            <a:endParaRPr lang="ko-KR" altLang="en-US" dirty="0"/>
+          </a:p>
+        </p:txBody>
+      </p:sp>
+      <p:sp>
+        <p:nvSpPr>
+          <p:cNvPr id="14" name="직사각형 13"/>
+          <p:cNvSpPr/>
+          <p:nvPr/>
+        </p:nvSpPr>
+        <p:spPr>
+          <a:xfrm>
+            <a:off x="3442111" y="5419928"/>
+            <a:ext cx="1384008" cy="720080"/>
+          </a:xfrm>
+          <a:prstGeom prst="rect">
+            <a:avLst/>
+          </a:prstGeom>
+        </p:spPr>
+        <p:style>
+          <a:lnRef idx="2">
+            <a:schemeClr val="accent1">
+              <a:shade val="50000"/>
+            </a:schemeClr>
+          </a:lnRef>
+          <a:fillRef idx="1">
+            <a:schemeClr val="accent1"/>
+          </a:fillRef>
+          <a:effectRef idx="0">
+            <a:schemeClr val="accent1"/>
+          </a:effectRef>
+          <a:fontRef idx="minor">
+            <a:schemeClr val="lt1"/>
+          </a:fontRef>
+        </p:style>
+        <p:txBody>
+          <a:bodyPr rtlCol="0" anchor="ctr"/>
+          <a:lstStyle/>
+          <a:p>
+            <a:pPr algn="ctr"/>
+            <a:r>
+              <a:rPr lang="ko-KR" altLang="en-US" sz="1600" b="1" dirty="0" err="1" smtClean="0">
                 <a:solidFill>
-                  <a:srgbClr val="756B5F"/>
+                  <a:schemeClr val="tx1"/>
                 </a:solidFill>
               </a:rPr>
-              <a:t>핵심 기능 </a:t>
-            </a:r>
-            <a:r>
-              <a:rPr lang="en-US" altLang="ko-KR" b="1">
+              <a:t>주문서작성</a:t>
+            </a:r>
+            <a:endParaRPr lang="ko-KR" altLang="en-US" sz="1600" b="1" dirty="0">
+              <a:solidFill>
+                <a:schemeClr val="tx1"/>
+              </a:solidFill>
+            </a:endParaRPr>
+          </a:p>
+        </p:txBody>
+      </p:sp>
+      <p:grpSp>
+        <p:nvGrpSpPr>
+          <p:cNvPr id="22" name="그룹 21"/>
+          <p:cNvGrpSpPr/>
+          <p:nvPr/>
+        </p:nvGrpSpPr>
+        <p:grpSpPr>
+          <a:xfrm>
+            <a:off x="5337483" y="-702679"/>
+            <a:ext cx="1253940" cy="504056"/>
+            <a:chOff x="2641852" y="5301208"/>
+            <a:chExt cx="1253940" cy="504056"/>
+          </a:xfrm>
+        </p:grpSpPr>
+        <p:cxnSp>
+          <p:nvCxnSpPr>
+            <p:cNvPr id="7" name="직선 연결선 6"/>
+            <p:cNvCxnSpPr/>
+            <p:nvPr/>
+          </p:nvCxnSpPr>
+          <p:spPr>
+            <a:xfrm>
+              <a:off x="2641852" y="5301208"/>
+              <a:ext cx="1170895" cy="0"/>
+            </a:xfrm>
+            <a:prstGeom prst="line">
+              <a:avLst/>
+            </a:prstGeom>
+            <a:ln w="38100"/>
+          </p:spPr>
+          <p:style>
+            <a:lnRef idx="1">
+              <a:schemeClr val="accent1"/>
+            </a:lnRef>
+            <a:fillRef idx="0">
+              <a:schemeClr val="accent1"/>
+            </a:fillRef>
+            <a:effectRef idx="0">
+              <a:schemeClr val="accent1"/>
+            </a:effectRef>
+            <a:fontRef idx="minor">
+              <a:schemeClr val="tx1"/>
+            </a:fontRef>
+          </p:style>
+        </p:cxnSp>
+        <p:sp>
+          <p:nvSpPr>
+            <p:cNvPr id="9" name="TextBox 8"/>
+            <p:cNvSpPr txBox="1"/>
+            <p:nvPr/>
+          </p:nvSpPr>
+          <p:spPr>
+            <a:xfrm>
+              <a:off x="2677189" y="5373216"/>
+              <a:ext cx="1218603" cy="369332"/>
+            </a:xfrm>
+            <a:prstGeom prst="rect">
+              <a:avLst/>
+            </a:prstGeom>
+            <a:noFill/>
+          </p:spPr>
+          <p:txBody>
+            <a:bodyPr wrap="none" rtlCol="0">
+              <a:spAutoFit/>
+            </a:bodyPr>
+            <a:lstStyle/>
+            <a:p>
+              <a:r>
+                <a:rPr lang="en-US" altLang="ko-KR" b="1" dirty="0" smtClean="0"/>
+                <a:t>DB(table)</a:t>
+              </a:r>
+              <a:endParaRPr lang="ko-KR" altLang="en-US" b="1" dirty="0"/>
+            </a:p>
+          </p:txBody>
+        </p:sp>
+        <p:cxnSp>
+          <p:nvCxnSpPr>
+            <p:cNvPr id="34" name="직선 연결선 33"/>
+            <p:cNvCxnSpPr/>
+            <p:nvPr/>
+          </p:nvCxnSpPr>
+          <p:spPr>
+            <a:xfrm>
+              <a:off x="2666957" y="5805264"/>
+              <a:ext cx="1170895" cy="0"/>
+            </a:xfrm>
+            <a:prstGeom prst="line">
+              <a:avLst/>
+            </a:prstGeom>
+            <a:ln w="38100"/>
+          </p:spPr>
+          <p:style>
+            <a:lnRef idx="1">
+              <a:schemeClr val="accent1"/>
+            </a:lnRef>
+            <a:fillRef idx="0">
+              <a:schemeClr val="accent1"/>
+            </a:fillRef>
+            <a:effectRef idx="0">
+              <a:schemeClr val="accent1"/>
+            </a:effectRef>
+            <a:fontRef idx="minor">
+              <a:schemeClr val="tx1"/>
+            </a:fontRef>
+          </p:style>
+        </p:cxnSp>
+      </p:grpSp>
+      <p:sp>
+        <p:nvSpPr>
+          <p:cNvPr id="36" name="TextBox 35"/>
+          <p:cNvSpPr txBox="1"/>
+          <p:nvPr/>
+        </p:nvSpPr>
+        <p:spPr>
+          <a:xfrm>
+            <a:off x="1429863" y="-702438"/>
+            <a:ext cx="1420582" cy="369332"/>
+          </a:xfrm>
+          <a:prstGeom prst="rect">
+            <a:avLst/>
+          </a:prstGeom>
+          <a:noFill/>
+        </p:spPr>
+        <p:txBody>
+          <a:bodyPr wrap="none" rtlCol="0">
+            <a:spAutoFit/>
+          </a:bodyPr>
+          <a:lstStyle/>
+          <a:p>
+            <a:r>
+              <a:rPr lang="ko-KR" altLang="en-US" dirty="0" smtClean="0"/>
+              <a:t>데이터 흐름</a:t>
+            </a:r>
+            <a:endParaRPr lang="ko-KR" altLang="en-US" dirty="0"/>
+          </a:p>
+        </p:txBody>
+      </p:sp>
+      <p:cxnSp>
+        <p:nvCxnSpPr>
+          <p:cNvPr id="39" name="직선 화살표 연결선 38"/>
+          <p:cNvCxnSpPr/>
+          <p:nvPr/>
+        </p:nvCxnSpPr>
+        <p:spPr>
+          <a:xfrm flipV="1">
+            <a:off x="5135960" y="5777161"/>
+            <a:ext cx="1145621" cy="2807"/>
+          </a:xfrm>
+          <a:prstGeom prst="straightConnector1">
+            <a:avLst/>
+          </a:prstGeom>
+          <a:ln>
+            <a:tailEnd type="arrow"/>
+          </a:ln>
+        </p:spPr>
+        <p:style>
+          <a:lnRef idx="1">
+            <a:schemeClr val="accent1"/>
+          </a:lnRef>
+          <a:fillRef idx="0">
+            <a:schemeClr val="accent1"/>
+          </a:fillRef>
+          <a:effectRef idx="0">
+            <a:schemeClr val="accent1"/>
+          </a:effectRef>
+          <a:fontRef idx="minor">
+            <a:schemeClr val="tx1"/>
+          </a:fontRef>
+        </p:style>
+      </p:cxnSp>
+      <p:sp>
+        <p:nvSpPr>
+          <p:cNvPr id="46" name="TextBox 45"/>
+          <p:cNvSpPr txBox="1"/>
+          <p:nvPr/>
+        </p:nvSpPr>
+        <p:spPr>
+          <a:xfrm>
+            <a:off x="5077503" y="5367044"/>
+            <a:ext cx="1503938" cy="276999"/>
+          </a:xfrm>
+          <a:prstGeom prst="rect">
+            <a:avLst/>
+          </a:prstGeom>
+          <a:noFill/>
+        </p:spPr>
+        <p:txBody>
+          <a:bodyPr wrap="none" rtlCol="0">
+            <a:spAutoFit/>
+          </a:bodyPr>
+          <a:lstStyle/>
+          <a:p>
+            <a:r>
+              <a:rPr lang="ko-KR" altLang="en-US" sz="1200" dirty="0" smtClean="0"/>
+              <a:t>상품정보</a:t>
+            </a:r>
+            <a:r>
+              <a:rPr lang="en-US" altLang="ko-KR" sz="1200" dirty="0" smtClean="0"/>
+              <a:t>, </a:t>
+            </a:r>
+            <a:r>
+              <a:rPr lang="ko-KR" altLang="en-US" sz="1200" dirty="0" smtClean="0"/>
+              <a:t>배송정보</a:t>
+            </a:r>
+            <a:endParaRPr lang="en-US" altLang="ko-KR" sz="1200" dirty="0" smtClean="0"/>
+          </a:p>
+        </p:txBody>
+      </p:sp>
+      <p:sp>
+        <p:nvSpPr>
+          <p:cNvPr id="47" name="타원 46"/>
+          <p:cNvSpPr/>
+          <p:nvPr/>
+        </p:nvSpPr>
+        <p:spPr>
+          <a:xfrm>
+            <a:off x="6746908" y="5178766"/>
+            <a:ext cx="1553175" cy="864096"/>
+          </a:xfrm>
+          <a:prstGeom prst="ellipse">
+            <a:avLst/>
+          </a:prstGeom>
+        </p:spPr>
+        <p:style>
+          <a:lnRef idx="2">
+            <a:schemeClr val="accent1">
+              <a:shade val="50000"/>
+            </a:schemeClr>
+          </a:lnRef>
+          <a:fillRef idx="1">
+            <a:schemeClr val="accent1"/>
+          </a:fillRef>
+          <a:effectRef idx="0">
+            <a:schemeClr val="accent1"/>
+          </a:effectRef>
+          <a:fontRef idx="minor">
+            <a:schemeClr val="lt1"/>
+          </a:fontRef>
+        </p:style>
+        <p:txBody>
+          <a:bodyPr rot="0" spcFirstLastPara="0" vertOverflow="overflow" horzOverflow="overflow" vert="horz" wrap="square" lIns="91440" tIns="45720" rIns="91440" bIns="45720" numCol="1" spcCol="0" rtlCol="0" fromWordArt="0" anchor="ctr" anchorCtr="0" forceAA="0" compatLnSpc="1">
+            <a:prstTxWarp prst="textNoShape">
+              <a:avLst/>
+            </a:prstTxWarp>
+            <a:noAutofit/>
+          </a:bodyPr>
+          <a:lstStyle/>
+          <a:p>
+            <a:pPr algn="ctr"/>
+            <a:r>
+              <a:rPr lang="ko-KR" altLang="en-US" sz="1600" b="1" dirty="0" smtClean="0">
                 <a:solidFill>
-                  <a:srgbClr val="756B5F"/>
+                  <a:schemeClr val="tx1"/>
                 </a:solidFill>
               </a:rPr>
-              <a:t>DFD(Data Flow Diagram) </a:t>
-            </a:r>
-            <a:r>
-              <a:rPr lang="en-US" altLang="ko-KR" b="1" dirty="0" smtClean="0">
+              <a:t>주문 처리</a:t>
+            </a:r>
+            <a:endParaRPr lang="ko-KR" altLang="en-US" sz="1600" b="1" dirty="0" smtClean="0">
+              <a:solidFill>
+                <a:schemeClr val="tx1"/>
+              </a:solidFill>
+            </a:endParaRPr>
+          </a:p>
+        </p:txBody>
+      </p:sp>
+      <p:sp>
+        <p:nvSpPr>
+          <p:cNvPr id="50" name="직사각형 49"/>
+          <p:cNvSpPr/>
+          <p:nvPr/>
+        </p:nvSpPr>
+        <p:spPr>
+          <a:xfrm>
+            <a:off x="421210" y="877597"/>
+            <a:ext cx="936104" cy="720080"/>
+          </a:xfrm>
+          <a:prstGeom prst="rect">
+            <a:avLst/>
+          </a:prstGeom>
+        </p:spPr>
+        <p:style>
+          <a:lnRef idx="2">
+            <a:schemeClr val="accent1">
+              <a:shade val="50000"/>
+            </a:schemeClr>
+          </a:lnRef>
+          <a:fillRef idx="1">
+            <a:schemeClr val="accent1"/>
+          </a:fillRef>
+          <a:effectRef idx="0">
+            <a:schemeClr val="accent1"/>
+          </a:effectRef>
+          <a:fontRef idx="minor">
+            <a:schemeClr val="lt1"/>
+          </a:fontRef>
+        </p:style>
+        <p:txBody>
+          <a:bodyPr rtlCol="0" anchor="ctr"/>
+          <a:lstStyle/>
+          <a:p>
+            <a:pPr algn="ctr"/>
+            <a:r>
+              <a:rPr lang="ko-KR" altLang="en-US" sz="1400" b="1" dirty="0" smtClean="0">
                 <a:solidFill>
-                  <a:srgbClr val="756B5F"/>
+                  <a:schemeClr val="tx1"/>
                 </a:solidFill>
               </a:rPr>
-              <a:t>– </a:t>
-            </a:r>
-            <a:r>
-              <a:rPr lang="ko-KR" altLang="en-US" b="1" dirty="0" smtClean="0">
+              <a:t>사용자</a:t>
+            </a:r>
+            <a:endParaRPr lang="ko-KR" altLang="en-US" sz="1400" b="1" dirty="0">
+              <a:solidFill>
+                <a:schemeClr val="tx1"/>
+              </a:solidFill>
+            </a:endParaRPr>
+          </a:p>
+        </p:txBody>
+      </p:sp>
+      <p:sp>
+        <p:nvSpPr>
+          <p:cNvPr id="27" name="직사각형 26"/>
+          <p:cNvSpPr/>
+          <p:nvPr/>
+        </p:nvSpPr>
+        <p:spPr>
+          <a:xfrm>
+            <a:off x="299310" y="5291005"/>
+            <a:ext cx="1384008" cy="720080"/>
+          </a:xfrm>
+          <a:prstGeom prst="rect">
+            <a:avLst/>
+          </a:prstGeom>
+        </p:spPr>
+        <p:style>
+          <a:lnRef idx="2">
+            <a:schemeClr val="accent1">
+              <a:shade val="50000"/>
+            </a:schemeClr>
+          </a:lnRef>
+          <a:fillRef idx="1">
+            <a:schemeClr val="accent1"/>
+          </a:fillRef>
+          <a:effectRef idx="0">
+            <a:schemeClr val="accent1"/>
+          </a:effectRef>
+          <a:fontRef idx="minor">
+            <a:schemeClr val="lt1"/>
+          </a:fontRef>
+        </p:style>
+        <p:txBody>
+          <a:bodyPr rtlCol="0" anchor="ctr"/>
+          <a:lstStyle/>
+          <a:p>
+            <a:pPr algn="ctr"/>
+            <a:r>
+              <a:rPr lang="ko-KR" altLang="en-US" sz="1600" b="1" dirty="0" smtClean="0">
                 <a:solidFill>
-                  <a:srgbClr val="756B5F"/>
+                  <a:schemeClr val="tx1"/>
                 </a:solidFill>
               </a:rPr>
-              <a:t>도서</a:t>
-            </a:r>
-            <a:r>
-              <a:rPr lang="en-US" altLang="ko-KR" b="1" dirty="0" smtClean="0">
+              <a:t>장바구니</a:t>
+            </a:r>
+            <a:endParaRPr lang="ko-KR" altLang="en-US" sz="1600" b="1" dirty="0">
+              <a:solidFill>
+                <a:schemeClr val="tx1"/>
+              </a:solidFill>
+            </a:endParaRPr>
+          </a:p>
+        </p:txBody>
+      </p:sp>
+      <p:cxnSp>
+        <p:nvCxnSpPr>
+          <p:cNvPr id="28" name="직선 화살표 연결선 27"/>
+          <p:cNvCxnSpPr/>
+          <p:nvPr/>
+        </p:nvCxnSpPr>
+        <p:spPr>
+          <a:xfrm>
+            <a:off x="820117" y="1785745"/>
+            <a:ext cx="44674" cy="968530"/>
+          </a:xfrm>
+          <a:prstGeom prst="straightConnector1">
+            <a:avLst/>
+          </a:prstGeom>
+          <a:ln>
+            <a:tailEnd type="arrow"/>
+          </a:ln>
+        </p:spPr>
+        <p:style>
+          <a:lnRef idx="1">
+            <a:schemeClr val="accent1"/>
+          </a:lnRef>
+          <a:fillRef idx="0">
+            <a:schemeClr val="accent1"/>
+          </a:fillRef>
+          <a:effectRef idx="0">
+            <a:schemeClr val="accent1"/>
+          </a:effectRef>
+          <a:fontRef idx="minor">
+            <a:schemeClr val="tx1"/>
+          </a:fontRef>
+        </p:style>
+      </p:cxnSp>
+      <p:sp>
+        <p:nvSpPr>
+          <p:cNvPr id="29" name="타원 28"/>
+          <p:cNvSpPr/>
+          <p:nvPr/>
+        </p:nvSpPr>
+        <p:spPr>
+          <a:xfrm>
+            <a:off x="289170" y="2972446"/>
+            <a:ext cx="1509624" cy="864096"/>
+          </a:xfrm>
+          <a:prstGeom prst="ellipse">
+            <a:avLst/>
+          </a:prstGeom>
+        </p:spPr>
+        <p:style>
+          <a:lnRef idx="2">
+            <a:schemeClr val="accent1">
+              <a:shade val="50000"/>
+            </a:schemeClr>
+          </a:lnRef>
+          <a:fillRef idx="1">
+            <a:schemeClr val="accent1"/>
+          </a:fillRef>
+          <a:effectRef idx="0">
+            <a:schemeClr val="accent1"/>
+          </a:effectRef>
+          <a:fontRef idx="minor">
+            <a:schemeClr val="lt1"/>
+          </a:fontRef>
+        </p:style>
+        <p:txBody>
+          <a:bodyPr rot="0" spcFirstLastPara="0" vertOverflow="overflow" horzOverflow="overflow" vert="horz" wrap="square" lIns="91440" tIns="45720" rIns="91440" bIns="45720" numCol="1" spcCol="0" rtlCol="0" fromWordArt="0" anchor="ctr" anchorCtr="0" forceAA="0" compatLnSpc="1">
+            <a:prstTxWarp prst="textNoShape">
+              <a:avLst/>
+            </a:prstTxWarp>
+            <a:noAutofit/>
+          </a:bodyPr>
+          <a:lstStyle/>
+          <a:p>
+            <a:pPr algn="ctr"/>
+            <a:r>
+              <a:rPr lang="ko-KR" altLang="en-US" sz="1600" b="1" dirty="0" smtClean="0">
                 <a:solidFill>
-                  <a:srgbClr val="756B5F"/>
+                  <a:schemeClr val="tx1"/>
                 </a:solidFill>
               </a:rPr>
-              <a:t> </a:t>
-            </a:r>
-            <a:r>
-              <a:rPr lang="ko-KR" altLang="en-US" b="1" dirty="0" smtClean="0">
+              <a:t>카트 목록</a:t>
+            </a:r>
+            <a:endParaRPr lang="ko-KR" altLang="en-US" sz="1600" b="1" dirty="0" smtClean="0">
+              <a:solidFill>
+                <a:schemeClr val="tx1"/>
+              </a:solidFill>
+            </a:endParaRPr>
+          </a:p>
+        </p:txBody>
+      </p:sp>
+      <p:cxnSp>
+        <p:nvCxnSpPr>
+          <p:cNvPr id="30" name="직선 화살표 연결선 29"/>
+          <p:cNvCxnSpPr/>
+          <p:nvPr/>
+        </p:nvCxnSpPr>
+        <p:spPr>
+          <a:xfrm flipH="1">
+            <a:off x="1956778" y="3179842"/>
+            <a:ext cx="906737" cy="22297"/>
+          </a:xfrm>
+          <a:prstGeom prst="straightConnector1">
+            <a:avLst/>
+          </a:prstGeom>
+          <a:ln w="25400">
+            <a:prstDash val="sysDot"/>
+            <a:tailEnd type="arrow"/>
+          </a:ln>
+        </p:spPr>
+        <p:style>
+          <a:lnRef idx="1">
+            <a:schemeClr val="accent1"/>
+          </a:lnRef>
+          <a:fillRef idx="0">
+            <a:schemeClr val="accent1"/>
+          </a:fillRef>
+          <a:effectRef idx="0">
+            <a:schemeClr val="accent1"/>
+          </a:effectRef>
+          <a:fontRef idx="minor">
+            <a:schemeClr val="tx1"/>
+          </a:fontRef>
+        </p:style>
+      </p:cxnSp>
+      <p:grpSp>
+        <p:nvGrpSpPr>
+          <p:cNvPr id="32" name="그룹 31"/>
+          <p:cNvGrpSpPr/>
+          <p:nvPr/>
+        </p:nvGrpSpPr>
+        <p:grpSpPr>
+          <a:xfrm>
+            <a:off x="3060305" y="2986115"/>
+            <a:ext cx="1196000" cy="504056"/>
+            <a:chOff x="2641852" y="5301208"/>
+            <a:chExt cx="1196000" cy="504056"/>
+          </a:xfrm>
+        </p:grpSpPr>
+        <p:cxnSp>
+          <p:nvCxnSpPr>
+            <p:cNvPr id="33" name="직선 연결선 32"/>
+            <p:cNvCxnSpPr/>
+            <p:nvPr/>
+          </p:nvCxnSpPr>
+          <p:spPr>
+            <a:xfrm>
+              <a:off x="2641852" y="5301208"/>
+              <a:ext cx="1170895" cy="0"/>
+            </a:xfrm>
+            <a:prstGeom prst="line">
+              <a:avLst/>
+            </a:prstGeom>
+            <a:ln w="38100"/>
+          </p:spPr>
+          <p:style>
+            <a:lnRef idx="1">
+              <a:schemeClr val="accent1"/>
+            </a:lnRef>
+            <a:fillRef idx="0">
+              <a:schemeClr val="accent1"/>
+            </a:fillRef>
+            <a:effectRef idx="0">
+              <a:schemeClr val="accent1"/>
+            </a:effectRef>
+            <a:fontRef idx="minor">
+              <a:schemeClr val="tx1"/>
+            </a:fontRef>
+          </p:style>
+        </p:cxnSp>
+        <p:sp>
+          <p:nvSpPr>
+            <p:cNvPr id="35" name="TextBox 34"/>
+            <p:cNvSpPr txBox="1"/>
+            <p:nvPr/>
+          </p:nvSpPr>
+          <p:spPr>
+            <a:xfrm>
+              <a:off x="2677189" y="5373216"/>
+              <a:ext cx="1107996" cy="369332"/>
+            </a:xfrm>
+            <a:prstGeom prst="rect">
+              <a:avLst/>
+            </a:prstGeom>
+            <a:noFill/>
+          </p:spPr>
+          <p:txBody>
+            <a:bodyPr wrap="none" rtlCol="0">
+              <a:spAutoFit/>
+            </a:bodyPr>
+            <a:lstStyle/>
+            <a:p>
+              <a:r>
+                <a:rPr lang="ko-KR" altLang="en-US" b="1" dirty="0" err="1" smtClean="0"/>
+                <a:t>카트정보</a:t>
+              </a:r>
+              <a:endParaRPr lang="ko-KR" altLang="en-US" b="1" dirty="0"/>
+            </a:p>
+          </p:txBody>
+        </p:sp>
+        <p:cxnSp>
+          <p:nvCxnSpPr>
+            <p:cNvPr id="37" name="직선 연결선 36"/>
+            <p:cNvCxnSpPr/>
+            <p:nvPr/>
+          </p:nvCxnSpPr>
+          <p:spPr>
+            <a:xfrm>
+              <a:off x="2666957" y="5805264"/>
+              <a:ext cx="1170895" cy="0"/>
+            </a:xfrm>
+            <a:prstGeom prst="line">
+              <a:avLst/>
+            </a:prstGeom>
+            <a:ln w="38100"/>
+          </p:spPr>
+          <p:style>
+            <a:lnRef idx="1">
+              <a:schemeClr val="accent1"/>
+            </a:lnRef>
+            <a:fillRef idx="0">
+              <a:schemeClr val="accent1"/>
+            </a:fillRef>
+            <a:effectRef idx="0">
+              <a:schemeClr val="accent1"/>
+            </a:effectRef>
+            <a:fontRef idx="minor">
+              <a:schemeClr val="tx1"/>
+            </a:fontRef>
+          </p:style>
+        </p:cxnSp>
+      </p:grpSp>
+      <p:cxnSp>
+        <p:nvCxnSpPr>
+          <p:cNvPr id="38" name="직선 화살표 연결선 37"/>
+          <p:cNvCxnSpPr/>
+          <p:nvPr/>
+        </p:nvCxnSpPr>
+        <p:spPr>
+          <a:xfrm flipV="1">
+            <a:off x="1977589" y="3427455"/>
+            <a:ext cx="978427" cy="59626"/>
+          </a:xfrm>
+          <a:prstGeom prst="straightConnector1">
+            <a:avLst/>
+          </a:prstGeom>
+          <a:ln>
+            <a:tailEnd type="arrow"/>
+          </a:ln>
+        </p:spPr>
+        <p:style>
+          <a:lnRef idx="1">
+            <a:schemeClr val="accent1"/>
+          </a:lnRef>
+          <a:fillRef idx="0">
+            <a:schemeClr val="accent1"/>
+          </a:fillRef>
+          <a:effectRef idx="0">
+            <a:schemeClr val="accent1"/>
+          </a:effectRef>
+          <a:fontRef idx="minor">
+            <a:schemeClr val="tx1"/>
+          </a:fontRef>
+        </p:style>
+      </p:cxnSp>
+      <p:sp>
+        <p:nvSpPr>
+          <p:cNvPr id="41" name="TextBox 40"/>
+          <p:cNvSpPr txBox="1"/>
+          <p:nvPr/>
+        </p:nvSpPr>
+        <p:spPr>
+          <a:xfrm>
+            <a:off x="848614" y="2168464"/>
+            <a:ext cx="1162498" cy="276999"/>
+          </a:xfrm>
+          <a:prstGeom prst="rect">
+            <a:avLst/>
+          </a:prstGeom>
+          <a:noFill/>
+        </p:spPr>
+        <p:txBody>
+          <a:bodyPr wrap="none" rtlCol="0">
+            <a:spAutoFit/>
+          </a:bodyPr>
+          <a:lstStyle/>
+          <a:p>
+            <a:r>
+              <a:rPr lang="ko-KR" altLang="en-US" sz="1200" dirty="0" smtClean="0"/>
+              <a:t>장바구니 조회</a:t>
+            </a:r>
+            <a:endParaRPr lang="en-US" altLang="ko-KR" sz="1200" dirty="0" smtClean="0"/>
+          </a:p>
+        </p:txBody>
+      </p:sp>
+      <p:sp>
+        <p:nvSpPr>
+          <p:cNvPr id="42" name="TextBox 41"/>
+          <p:cNvSpPr txBox="1"/>
+          <p:nvPr/>
+        </p:nvSpPr>
+        <p:spPr>
+          <a:xfrm>
+            <a:off x="1937494" y="3501204"/>
+            <a:ext cx="832279" cy="276999"/>
+          </a:xfrm>
+          <a:prstGeom prst="rect">
+            <a:avLst/>
+          </a:prstGeom>
+          <a:noFill/>
+        </p:spPr>
+        <p:txBody>
+          <a:bodyPr wrap="none" rtlCol="0">
+            <a:spAutoFit/>
+          </a:bodyPr>
+          <a:lstStyle/>
+          <a:p>
+            <a:r>
+              <a:rPr lang="ko-KR" altLang="en-US" sz="1200" dirty="0" smtClean="0"/>
+              <a:t>사용자 </a:t>
+            </a:r>
+            <a:r>
+              <a:rPr lang="en-US" altLang="ko-KR" sz="1200" dirty="0" smtClean="0"/>
+              <a:t>id</a:t>
+            </a:r>
+            <a:endParaRPr lang="en-US" altLang="ko-KR" sz="1200" dirty="0" smtClean="0"/>
+          </a:p>
+        </p:txBody>
+      </p:sp>
+      <p:sp>
+        <p:nvSpPr>
+          <p:cNvPr id="43" name="TextBox 42"/>
+          <p:cNvSpPr txBox="1"/>
+          <p:nvPr/>
+        </p:nvSpPr>
+        <p:spPr>
+          <a:xfrm>
+            <a:off x="2015911" y="2857044"/>
+            <a:ext cx="1008609" cy="276999"/>
+          </a:xfrm>
+          <a:prstGeom prst="rect">
+            <a:avLst/>
+          </a:prstGeom>
+          <a:noFill/>
+        </p:spPr>
+        <p:txBody>
+          <a:bodyPr wrap="none" rtlCol="0">
+            <a:spAutoFit/>
+          </a:bodyPr>
+          <a:lstStyle/>
+          <a:p>
+            <a:r>
+              <a:rPr lang="ko-KR" altLang="en-US" sz="1200" dirty="0" smtClean="0"/>
+              <a:t>카트 리스트</a:t>
+            </a:r>
+            <a:endParaRPr lang="en-US" altLang="ko-KR" sz="1200" dirty="0" smtClean="0"/>
+          </a:p>
+        </p:txBody>
+      </p:sp>
+      <p:cxnSp>
+        <p:nvCxnSpPr>
+          <p:cNvPr id="44" name="직선 화살표 연결선 43"/>
+          <p:cNvCxnSpPr/>
+          <p:nvPr/>
+        </p:nvCxnSpPr>
+        <p:spPr>
+          <a:xfrm>
+            <a:off x="923177" y="4035642"/>
+            <a:ext cx="26763" cy="1094563"/>
+          </a:xfrm>
+          <a:prstGeom prst="straightConnector1">
+            <a:avLst/>
+          </a:prstGeom>
+          <a:ln>
+            <a:tailEnd type="arrow"/>
+          </a:ln>
+        </p:spPr>
+        <p:style>
+          <a:lnRef idx="1">
+            <a:schemeClr val="accent1"/>
+          </a:lnRef>
+          <a:fillRef idx="0">
+            <a:schemeClr val="accent1"/>
+          </a:fillRef>
+          <a:effectRef idx="0">
+            <a:schemeClr val="accent1"/>
+          </a:effectRef>
+          <a:fontRef idx="minor">
+            <a:schemeClr val="tx1"/>
+          </a:fontRef>
+        </p:style>
+      </p:cxnSp>
+      <p:sp>
+        <p:nvSpPr>
+          <p:cNvPr id="45" name="TextBox 44"/>
+          <p:cNvSpPr txBox="1"/>
+          <p:nvPr/>
+        </p:nvSpPr>
+        <p:spPr>
+          <a:xfrm>
+            <a:off x="936558" y="4348990"/>
+            <a:ext cx="1008609" cy="276999"/>
+          </a:xfrm>
+          <a:prstGeom prst="rect">
+            <a:avLst/>
+          </a:prstGeom>
+          <a:noFill/>
+        </p:spPr>
+        <p:txBody>
+          <a:bodyPr wrap="none" rtlCol="0">
+            <a:spAutoFit/>
+          </a:bodyPr>
+          <a:lstStyle/>
+          <a:p>
+            <a:r>
+              <a:rPr lang="ko-KR" altLang="en-US" sz="1200" dirty="0" smtClean="0"/>
+              <a:t>카트 리스트</a:t>
+            </a:r>
+            <a:endParaRPr lang="en-US" altLang="ko-KR" sz="1200" dirty="0" smtClean="0"/>
+          </a:p>
+        </p:txBody>
+      </p:sp>
+      <p:cxnSp>
+        <p:nvCxnSpPr>
+          <p:cNvPr id="48" name="직선 화살표 연결선 47"/>
+          <p:cNvCxnSpPr/>
+          <p:nvPr/>
+        </p:nvCxnSpPr>
+        <p:spPr>
+          <a:xfrm flipV="1">
+            <a:off x="1977589" y="5644043"/>
+            <a:ext cx="1150747" cy="7002"/>
+          </a:xfrm>
+          <a:prstGeom prst="straightConnector1">
+            <a:avLst/>
+          </a:prstGeom>
+          <a:ln>
+            <a:tailEnd type="arrow"/>
+          </a:ln>
+        </p:spPr>
+        <p:style>
+          <a:lnRef idx="1">
+            <a:schemeClr val="accent1"/>
+          </a:lnRef>
+          <a:fillRef idx="0">
+            <a:schemeClr val="accent1"/>
+          </a:fillRef>
+          <a:effectRef idx="0">
+            <a:schemeClr val="accent1"/>
+          </a:effectRef>
+          <a:fontRef idx="minor">
+            <a:schemeClr val="tx1"/>
+          </a:fontRef>
+        </p:style>
+      </p:cxnSp>
+      <p:sp>
+        <p:nvSpPr>
+          <p:cNvPr id="53" name="TextBox 52"/>
+          <p:cNvSpPr txBox="1"/>
+          <p:nvPr/>
+        </p:nvSpPr>
+        <p:spPr>
+          <a:xfrm>
+            <a:off x="1803453" y="5291005"/>
+            <a:ext cx="1508746" cy="276999"/>
+          </a:xfrm>
+          <a:prstGeom prst="rect">
+            <a:avLst/>
+          </a:prstGeom>
+          <a:noFill/>
+        </p:spPr>
+        <p:txBody>
+          <a:bodyPr wrap="none" rtlCol="0">
+            <a:spAutoFit/>
+          </a:bodyPr>
+          <a:lstStyle/>
+          <a:p>
+            <a:r>
+              <a:rPr lang="ko-KR" altLang="en-US" sz="1200" dirty="0" smtClean="0"/>
+              <a:t>상품정보</a:t>
+            </a:r>
+            <a:r>
+              <a:rPr lang="en-US" altLang="ko-KR" sz="1200" dirty="0" smtClean="0"/>
+              <a:t>(</a:t>
+            </a:r>
+            <a:r>
+              <a:rPr lang="ko-KR" altLang="en-US" sz="1200" dirty="0" err="1" smtClean="0"/>
+              <a:t>옵션포함</a:t>
+            </a:r>
+            <a:r>
+              <a:rPr lang="en-US" altLang="ko-KR" sz="1200" dirty="0" smtClean="0"/>
+              <a:t>)</a:t>
+            </a:r>
+            <a:endParaRPr lang="en-US" altLang="ko-KR" sz="1200" dirty="0" smtClean="0"/>
+          </a:p>
+        </p:txBody>
+      </p:sp>
+      <p:grpSp>
+        <p:nvGrpSpPr>
+          <p:cNvPr id="55" name="그룹 54"/>
+          <p:cNvGrpSpPr/>
+          <p:nvPr/>
+        </p:nvGrpSpPr>
+        <p:grpSpPr>
+          <a:xfrm>
+            <a:off x="4944921" y="3135647"/>
+            <a:ext cx="1196000" cy="504056"/>
+            <a:chOff x="2641852" y="5301208"/>
+            <a:chExt cx="1196000" cy="504056"/>
+          </a:xfrm>
+        </p:grpSpPr>
+        <p:cxnSp>
+          <p:nvCxnSpPr>
+            <p:cNvPr id="56" name="직선 연결선 55"/>
+            <p:cNvCxnSpPr/>
+            <p:nvPr/>
+          </p:nvCxnSpPr>
+          <p:spPr>
+            <a:xfrm>
+              <a:off x="2641852" y="5301208"/>
+              <a:ext cx="1170895" cy="0"/>
+            </a:xfrm>
+            <a:prstGeom prst="line">
+              <a:avLst/>
+            </a:prstGeom>
+            <a:ln w="38100"/>
+          </p:spPr>
+          <p:style>
+            <a:lnRef idx="1">
+              <a:schemeClr val="accent1"/>
+            </a:lnRef>
+            <a:fillRef idx="0">
+              <a:schemeClr val="accent1"/>
+            </a:fillRef>
+            <a:effectRef idx="0">
+              <a:schemeClr val="accent1"/>
+            </a:effectRef>
+            <a:fontRef idx="minor">
+              <a:schemeClr val="tx1"/>
+            </a:fontRef>
+          </p:style>
+        </p:cxnSp>
+        <p:sp>
+          <p:nvSpPr>
+            <p:cNvPr id="57" name="TextBox 56"/>
+            <p:cNvSpPr txBox="1"/>
+            <p:nvPr/>
+          </p:nvSpPr>
+          <p:spPr>
+            <a:xfrm>
+              <a:off x="2677189" y="5373216"/>
+              <a:ext cx="1107996" cy="369332"/>
+            </a:xfrm>
+            <a:prstGeom prst="rect">
+              <a:avLst/>
+            </a:prstGeom>
+            <a:noFill/>
+          </p:spPr>
+          <p:txBody>
+            <a:bodyPr wrap="none" rtlCol="0">
+              <a:spAutoFit/>
+            </a:bodyPr>
+            <a:lstStyle/>
+            <a:p>
+              <a:r>
+                <a:rPr lang="ko-KR" altLang="en-US" b="1" dirty="0" err="1" smtClean="0"/>
+                <a:t>주문</a:t>
+              </a:r>
+              <a:r>
+                <a:rPr lang="ko-KR" altLang="en-US" b="1" dirty="0" err="1" smtClean="0"/>
+                <a:t>정보</a:t>
+              </a:r>
+              <a:endParaRPr lang="ko-KR" altLang="en-US" b="1" dirty="0"/>
+            </a:p>
+          </p:txBody>
+        </p:sp>
+        <p:cxnSp>
+          <p:nvCxnSpPr>
+            <p:cNvPr id="58" name="직선 연결선 57"/>
+            <p:cNvCxnSpPr/>
+            <p:nvPr/>
+          </p:nvCxnSpPr>
+          <p:spPr>
+            <a:xfrm>
+              <a:off x="2666957" y="5805264"/>
+              <a:ext cx="1170895" cy="0"/>
+            </a:xfrm>
+            <a:prstGeom prst="line">
+              <a:avLst/>
+            </a:prstGeom>
+            <a:ln w="38100"/>
+          </p:spPr>
+          <p:style>
+            <a:lnRef idx="1">
+              <a:schemeClr val="accent1"/>
+            </a:lnRef>
+            <a:fillRef idx="0">
+              <a:schemeClr val="accent1"/>
+            </a:fillRef>
+            <a:effectRef idx="0">
+              <a:schemeClr val="accent1"/>
+            </a:effectRef>
+            <a:fontRef idx="minor">
+              <a:schemeClr val="tx1"/>
+            </a:fontRef>
+          </p:style>
+        </p:cxnSp>
+      </p:grpSp>
+      <p:cxnSp>
+        <p:nvCxnSpPr>
+          <p:cNvPr id="59" name="직선 화살표 연결선 58"/>
+          <p:cNvCxnSpPr/>
+          <p:nvPr/>
+        </p:nvCxnSpPr>
+        <p:spPr>
+          <a:xfrm flipH="1" flipV="1">
+            <a:off x="5743125" y="3943830"/>
+            <a:ext cx="927620" cy="1186376"/>
+          </a:xfrm>
+          <a:prstGeom prst="straightConnector1">
+            <a:avLst/>
+          </a:prstGeom>
+          <a:ln>
+            <a:tailEnd type="arrow"/>
+          </a:ln>
+        </p:spPr>
+        <p:style>
+          <a:lnRef idx="1">
+            <a:schemeClr val="accent1"/>
+          </a:lnRef>
+          <a:fillRef idx="0">
+            <a:schemeClr val="accent1"/>
+          </a:fillRef>
+          <a:effectRef idx="0">
+            <a:schemeClr val="accent1"/>
+          </a:effectRef>
+          <a:fontRef idx="minor">
+            <a:schemeClr val="tx1"/>
+          </a:fontRef>
+        </p:style>
+      </p:cxnSp>
+      <p:sp>
+        <p:nvSpPr>
+          <p:cNvPr id="62" name="TextBox 61"/>
+          <p:cNvSpPr txBox="1"/>
+          <p:nvPr/>
+        </p:nvSpPr>
+        <p:spPr>
+          <a:xfrm>
+            <a:off x="5286582" y="4289298"/>
+            <a:ext cx="800219" cy="276999"/>
+          </a:xfrm>
+          <a:prstGeom prst="rect">
+            <a:avLst/>
+          </a:prstGeom>
+          <a:noFill/>
+        </p:spPr>
+        <p:txBody>
+          <a:bodyPr wrap="none" rtlCol="0">
+            <a:spAutoFit/>
+          </a:bodyPr>
+          <a:lstStyle/>
+          <a:p>
+            <a:r>
+              <a:rPr lang="ko-KR" altLang="en-US" sz="1200" dirty="0" err="1" smtClean="0"/>
+              <a:t>주문작성</a:t>
+            </a:r>
+            <a:endParaRPr lang="en-US" altLang="ko-KR" sz="1200" dirty="0" smtClean="0"/>
+          </a:p>
+        </p:txBody>
+      </p:sp>
+      <p:cxnSp>
+        <p:nvCxnSpPr>
+          <p:cNvPr id="63" name="직선 화살표 연결선 62"/>
+          <p:cNvCxnSpPr/>
+          <p:nvPr/>
+        </p:nvCxnSpPr>
+        <p:spPr>
+          <a:xfrm>
+            <a:off x="5948035" y="3906676"/>
+            <a:ext cx="837046" cy="1061467"/>
+          </a:xfrm>
+          <a:prstGeom prst="straightConnector1">
+            <a:avLst/>
+          </a:prstGeom>
+          <a:ln w="25400">
+            <a:prstDash val="sysDot"/>
+            <a:tailEnd type="arrow"/>
+          </a:ln>
+        </p:spPr>
+        <p:style>
+          <a:lnRef idx="1">
+            <a:schemeClr val="accent1"/>
+          </a:lnRef>
+          <a:fillRef idx="0">
+            <a:schemeClr val="accent1"/>
+          </a:fillRef>
+          <a:effectRef idx="0">
+            <a:schemeClr val="accent1"/>
+          </a:effectRef>
+          <a:fontRef idx="minor">
+            <a:schemeClr val="tx1"/>
+          </a:fontRef>
+        </p:style>
+      </p:cxnSp>
+      <p:sp>
+        <p:nvSpPr>
+          <p:cNvPr id="65" name="TextBox 64"/>
+          <p:cNvSpPr txBox="1"/>
+          <p:nvPr/>
+        </p:nvSpPr>
+        <p:spPr>
+          <a:xfrm>
+            <a:off x="6086801" y="4109567"/>
+            <a:ext cx="800219" cy="276999"/>
+          </a:xfrm>
+          <a:prstGeom prst="rect">
+            <a:avLst/>
+          </a:prstGeom>
+          <a:noFill/>
+        </p:spPr>
+        <p:txBody>
+          <a:bodyPr wrap="none" rtlCol="0">
+            <a:spAutoFit/>
+          </a:bodyPr>
+          <a:lstStyle/>
+          <a:p>
+            <a:r>
+              <a:rPr lang="ko-KR" altLang="en-US" sz="1200" dirty="0" err="1" smtClean="0"/>
+              <a:t>주문결과</a:t>
+            </a:r>
+            <a:endParaRPr lang="en-US" altLang="ko-KR" sz="1200" dirty="0" smtClean="0"/>
+          </a:p>
+        </p:txBody>
+      </p:sp>
+      <p:cxnSp>
+        <p:nvCxnSpPr>
+          <p:cNvPr id="66" name="직선 화살표 연결선 65"/>
+          <p:cNvCxnSpPr/>
+          <p:nvPr/>
+        </p:nvCxnSpPr>
+        <p:spPr>
+          <a:xfrm flipV="1">
+            <a:off x="7668344" y="4140704"/>
+            <a:ext cx="6286" cy="858259"/>
+          </a:xfrm>
+          <a:prstGeom prst="straightConnector1">
+            <a:avLst/>
+          </a:prstGeom>
+          <a:ln>
+            <a:tailEnd type="arrow"/>
+          </a:ln>
+        </p:spPr>
+        <p:style>
+          <a:lnRef idx="1">
+            <a:schemeClr val="accent1"/>
+          </a:lnRef>
+          <a:fillRef idx="0">
+            <a:schemeClr val="accent1"/>
+          </a:fillRef>
+          <a:effectRef idx="0">
+            <a:schemeClr val="accent1"/>
+          </a:effectRef>
+          <a:fontRef idx="minor">
+            <a:schemeClr val="tx1"/>
+          </a:fontRef>
+        </p:style>
+      </p:cxnSp>
+      <p:sp>
+        <p:nvSpPr>
+          <p:cNvPr id="69" name="직사각형 68"/>
+          <p:cNvSpPr/>
+          <p:nvPr/>
+        </p:nvSpPr>
+        <p:spPr>
+          <a:xfrm>
+            <a:off x="7059337" y="3208031"/>
+            <a:ext cx="1240746" cy="735799"/>
+          </a:xfrm>
+          <a:prstGeom prst="rect">
+            <a:avLst/>
+          </a:prstGeom>
+        </p:spPr>
+        <p:style>
+          <a:lnRef idx="2">
+            <a:schemeClr val="accent1">
+              <a:shade val="50000"/>
+            </a:schemeClr>
+          </a:lnRef>
+          <a:fillRef idx="1">
+            <a:schemeClr val="accent1"/>
+          </a:fillRef>
+          <a:effectRef idx="0">
+            <a:schemeClr val="accent1"/>
+          </a:effectRef>
+          <a:fontRef idx="minor">
+            <a:schemeClr val="lt1"/>
+          </a:fontRef>
+        </p:style>
+        <p:txBody>
+          <a:bodyPr rtlCol="0" anchor="ctr"/>
+          <a:lstStyle/>
+          <a:p>
+            <a:pPr algn="ctr"/>
+            <a:r>
+              <a:rPr lang="ko-KR" altLang="en-US" sz="1400" b="1" dirty="0" smtClean="0">
                 <a:solidFill>
-                  <a:srgbClr val="756B5F"/>
+                  <a:schemeClr val="tx1"/>
                 </a:solidFill>
               </a:rPr>
-              <a:t>검색</a:t>
-            </a:r>
-            <a:endParaRPr lang="ko-KR" altLang="en-US" b="1" dirty="0">
+              <a:t>주문 결과</a:t>
+            </a:r>
+            <a:endParaRPr lang="ko-KR" altLang="en-US" sz="1400" b="1" dirty="0">
               <a:solidFill>
-                <a:srgbClr val="756B5F"/>
+                <a:schemeClr val="tx1"/>
               </a:solidFill>
             </a:endParaRPr>
+          </a:p>
+        </p:txBody>
+      </p:sp>
+      <p:sp>
+        <p:nvSpPr>
+          <p:cNvPr id="70" name="TextBox 69"/>
+          <p:cNvSpPr txBox="1"/>
+          <p:nvPr/>
+        </p:nvSpPr>
+        <p:spPr>
+          <a:xfrm>
+            <a:off x="7687761" y="4431333"/>
+            <a:ext cx="800219" cy="276999"/>
+          </a:xfrm>
+          <a:prstGeom prst="rect">
+            <a:avLst/>
+          </a:prstGeom>
+          <a:noFill/>
+        </p:spPr>
+        <p:txBody>
+          <a:bodyPr wrap="none" rtlCol="0">
+            <a:spAutoFit/>
+          </a:bodyPr>
+          <a:lstStyle/>
+          <a:p>
+            <a:r>
+              <a:rPr lang="ko-KR" altLang="en-US" sz="1200" dirty="0" err="1" smtClean="0"/>
+              <a:t>주문결과</a:t>
+            </a:r>
+            <a:endParaRPr lang="en-US" altLang="ko-KR" sz="1200" dirty="0" smtClean="0"/>
+          </a:p>
+        </p:txBody>
+      </p:sp>
+      <p:cxnSp>
+        <p:nvCxnSpPr>
+          <p:cNvPr id="71" name="직선 화살표 연결선 70"/>
+          <p:cNvCxnSpPr/>
+          <p:nvPr/>
+        </p:nvCxnSpPr>
+        <p:spPr>
+          <a:xfrm flipH="1" flipV="1">
+            <a:off x="7524225" y="2094004"/>
+            <a:ext cx="137833" cy="907547"/>
+          </a:xfrm>
+          <a:prstGeom prst="straightConnector1">
+            <a:avLst/>
+          </a:prstGeom>
+          <a:ln>
+            <a:tailEnd type="arrow"/>
+          </a:ln>
+        </p:spPr>
+        <p:style>
+          <a:lnRef idx="1">
+            <a:schemeClr val="accent1"/>
+          </a:lnRef>
+          <a:fillRef idx="0">
+            <a:schemeClr val="accent1"/>
+          </a:fillRef>
+          <a:effectRef idx="0">
+            <a:schemeClr val="accent1"/>
+          </a:effectRef>
+          <a:fontRef idx="minor">
+            <a:schemeClr val="tx1"/>
+          </a:fontRef>
+        </p:style>
+      </p:cxnSp>
+      <p:sp>
+        <p:nvSpPr>
+          <p:cNvPr id="72" name="직사각형 71"/>
+          <p:cNvSpPr/>
+          <p:nvPr/>
+        </p:nvSpPr>
+        <p:spPr>
+          <a:xfrm>
+            <a:off x="6903852" y="1085906"/>
+            <a:ext cx="1240746" cy="735799"/>
+          </a:xfrm>
+          <a:prstGeom prst="rect">
+            <a:avLst/>
+          </a:prstGeom>
+        </p:spPr>
+        <p:style>
+          <a:lnRef idx="2">
+            <a:schemeClr val="accent1">
+              <a:shade val="50000"/>
+            </a:schemeClr>
+          </a:lnRef>
+          <a:fillRef idx="1">
+            <a:schemeClr val="accent1"/>
+          </a:fillRef>
+          <a:effectRef idx="0">
+            <a:schemeClr val="accent1"/>
+          </a:effectRef>
+          <a:fontRef idx="minor">
+            <a:schemeClr val="lt1"/>
+          </a:fontRef>
+        </p:style>
+        <p:txBody>
+          <a:bodyPr rtlCol="0" anchor="ctr"/>
+          <a:lstStyle/>
+          <a:p>
+            <a:pPr algn="ctr"/>
+            <a:r>
+              <a:rPr lang="ko-KR" altLang="en-US" sz="1400" b="1" dirty="0" err="1" smtClean="0">
+                <a:solidFill>
+                  <a:schemeClr val="tx1"/>
+                </a:solidFill>
+              </a:rPr>
+              <a:t>마이페이지</a:t>
+            </a:r>
+            <a:endParaRPr lang="ko-KR" altLang="en-US" sz="1400" b="1" dirty="0">
+              <a:solidFill>
+                <a:schemeClr val="tx1"/>
+              </a:solidFill>
+            </a:endParaRPr>
+          </a:p>
+        </p:txBody>
+      </p:sp>
+      <p:cxnSp>
+        <p:nvCxnSpPr>
+          <p:cNvPr id="74" name="직선 화살표 연결선 73"/>
+          <p:cNvCxnSpPr/>
+          <p:nvPr/>
+        </p:nvCxnSpPr>
+        <p:spPr>
+          <a:xfrm flipH="1" flipV="1">
+            <a:off x="5641057" y="1226269"/>
+            <a:ext cx="1083312" cy="22735"/>
+          </a:xfrm>
+          <a:prstGeom prst="straightConnector1">
+            <a:avLst/>
+          </a:prstGeom>
+          <a:ln>
+            <a:tailEnd type="arrow"/>
+          </a:ln>
+        </p:spPr>
+        <p:style>
+          <a:lnRef idx="1">
+            <a:schemeClr val="accent1"/>
+          </a:lnRef>
+          <a:fillRef idx="0">
+            <a:schemeClr val="accent1"/>
+          </a:fillRef>
+          <a:effectRef idx="0">
+            <a:schemeClr val="accent1"/>
+          </a:effectRef>
+          <a:fontRef idx="minor">
+            <a:schemeClr val="tx1"/>
+          </a:fontRef>
+        </p:style>
+      </p:cxnSp>
+      <p:sp>
+        <p:nvSpPr>
+          <p:cNvPr id="76" name="TextBox 75"/>
+          <p:cNvSpPr txBox="1"/>
+          <p:nvPr/>
+        </p:nvSpPr>
+        <p:spPr>
+          <a:xfrm>
+            <a:off x="5702825" y="856590"/>
+            <a:ext cx="1107996" cy="276999"/>
+          </a:xfrm>
+          <a:prstGeom prst="rect">
+            <a:avLst/>
+          </a:prstGeom>
+          <a:noFill/>
+        </p:spPr>
+        <p:txBody>
+          <a:bodyPr wrap="none" rtlCol="0">
+            <a:spAutoFit/>
+          </a:bodyPr>
+          <a:lstStyle/>
+          <a:p>
+            <a:r>
+              <a:rPr lang="ko-KR" altLang="en-US" sz="1200" dirty="0" smtClean="0"/>
+              <a:t>주문내역요청</a:t>
+            </a:r>
+            <a:endParaRPr lang="en-US" altLang="ko-KR" sz="1200" dirty="0" smtClean="0"/>
+          </a:p>
+        </p:txBody>
+      </p:sp>
+      <p:sp>
+        <p:nvSpPr>
+          <p:cNvPr id="77" name="타원 76"/>
+          <p:cNvSpPr/>
+          <p:nvPr/>
+        </p:nvSpPr>
+        <p:spPr>
+          <a:xfrm>
+            <a:off x="3898782" y="745841"/>
+            <a:ext cx="1572189" cy="864096"/>
+          </a:xfrm>
+          <a:prstGeom prst="ellipse">
+            <a:avLst/>
+          </a:prstGeom>
+        </p:spPr>
+        <p:style>
+          <a:lnRef idx="2">
+            <a:schemeClr val="accent1">
+              <a:shade val="50000"/>
+            </a:schemeClr>
+          </a:lnRef>
+          <a:fillRef idx="1">
+            <a:schemeClr val="accent1"/>
+          </a:fillRef>
+          <a:effectRef idx="0">
+            <a:schemeClr val="accent1"/>
+          </a:effectRef>
+          <a:fontRef idx="minor">
+            <a:schemeClr val="lt1"/>
+          </a:fontRef>
+        </p:style>
+        <p:txBody>
+          <a:bodyPr rot="0" spcFirstLastPara="0" vertOverflow="overflow" horzOverflow="overflow" vert="horz" wrap="square" lIns="91440" tIns="45720" rIns="91440" bIns="45720" numCol="1" spcCol="0" rtlCol="0" fromWordArt="0" anchor="ctr" anchorCtr="0" forceAA="0" compatLnSpc="1">
+            <a:prstTxWarp prst="textNoShape">
+              <a:avLst/>
+            </a:prstTxWarp>
+            <a:noAutofit/>
+          </a:bodyPr>
+          <a:lstStyle/>
+          <a:p>
+            <a:pPr algn="ctr"/>
+            <a:r>
+              <a:rPr lang="ko-KR" altLang="en-US" sz="1600" b="1" dirty="0" smtClean="0">
+                <a:solidFill>
+                  <a:schemeClr val="tx1"/>
+                </a:solidFill>
+              </a:rPr>
+              <a:t>주문 내역</a:t>
+            </a:r>
+            <a:endParaRPr lang="ko-KR" altLang="en-US" sz="1600" b="1" dirty="0" smtClean="0">
+              <a:solidFill>
+                <a:schemeClr val="tx1"/>
+              </a:solidFill>
+            </a:endParaRPr>
+          </a:p>
+        </p:txBody>
+      </p:sp>
+      <p:cxnSp>
+        <p:nvCxnSpPr>
+          <p:cNvPr id="80" name="직선 화살표 연결선 79"/>
+          <p:cNvCxnSpPr/>
+          <p:nvPr/>
+        </p:nvCxnSpPr>
+        <p:spPr>
+          <a:xfrm flipH="1" flipV="1">
+            <a:off x="5094642" y="1699802"/>
+            <a:ext cx="648483" cy="1168873"/>
+          </a:xfrm>
+          <a:prstGeom prst="straightConnector1">
+            <a:avLst/>
+          </a:prstGeom>
+          <a:ln w="25400">
+            <a:prstDash val="sysDot"/>
+            <a:tailEnd type="arrow"/>
+          </a:ln>
+        </p:spPr>
+        <p:style>
+          <a:lnRef idx="1">
+            <a:schemeClr val="accent1"/>
+          </a:lnRef>
+          <a:fillRef idx="0">
+            <a:schemeClr val="accent1"/>
+          </a:fillRef>
+          <a:effectRef idx="0">
+            <a:schemeClr val="accent1"/>
+          </a:effectRef>
+          <a:fontRef idx="minor">
+            <a:schemeClr val="tx1"/>
+          </a:fontRef>
+        </p:style>
+      </p:cxnSp>
+      <p:cxnSp>
+        <p:nvCxnSpPr>
+          <p:cNvPr id="84" name="직선 화살표 연결선 83"/>
+          <p:cNvCxnSpPr/>
+          <p:nvPr/>
+        </p:nvCxnSpPr>
+        <p:spPr>
+          <a:xfrm>
+            <a:off x="4849483" y="1760221"/>
+            <a:ext cx="612033" cy="1108454"/>
+          </a:xfrm>
+          <a:prstGeom prst="straightConnector1">
+            <a:avLst/>
+          </a:prstGeom>
+          <a:ln>
+            <a:tailEnd type="arrow"/>
+          </a:ln>
+        </p:spPr>
+        <p:style>
+          <a:lnRef idx="1">
+            <a:schemeClr val="accent1"/>
+          </a:lnRef>
+          <a:fillRef idx="0">
+            <a:schemeClr val="accent1"/>
+          </a:fillRef>
+          <a:effectRef idx="0">
+            <a:schemeClr val="accent1"/>
+          </a:effectRef>
+          <a:fontRef idx="minor">
+            <a:schemeClr val="tx1"/>
+          </a:fontRef>
+        </p:style>
+      </p:cxnSp>
+      <p:sp>
+        <p:nvSpPr>
+          <p:cNvPr id="87" name="TextBox 86"/>
+          <p:cNvSpPr txBox="1"/>
+          <p:nvPr/>
+        </p:nvSpPr>
+        <p:spPr>
+          <a:xfrm>
+            <a:off x="4277284" y="2104278"/>
+            <a:ext cx="954107" cy="276999"/>
+          </a:xfrm>
+          <a:prstGeom prst="rect">
+            <a:avLst/>
+          </a:prstGeom>
+          <a:noFill/>
+        </p:spPr>
+        <p:txBody>
+          <a:bodyPr wrap="none" rtlCol="0">
+            <a:spAutoFit/>
+          </a:bodyPr>
+          <a:lstStyle/>
+          <a:p>
+            <a:r>
+              <a:rPr lang="ko-KR" altLang="en-US" sz="1200" dirty="0" smtClean="0"/>
+              <a:t>회원아이디</a:t>
+            </a:r>
+            <a:endParaRPr lang="en-US" altLang="ko-KR" sz="1200" dirty="0" smtClean="0"/>
+          </a:p>
+        </p:txBody>
+      </p:sp>
+      <p:sp>
+        <p:nvSpPr>
+          <p:cNvPr id="88" name="TextBox 87"/>
+          <p:cNvSpPr txBox="1"/>
+          <p:nvPr/>
+        </p:nvSpPr>
+        <p:spPr>
+          <a:xfrm>
+            <a:off x="5242368" y="1981006"/>
+            <a:ext cx="1261884" cy="276999"/>
+          </a:xfrm>
+          <a:prstGeom prst="rect">
+            <a:avLst/>
+          </a:prstGeom>
+          <a:noFill/>
+        </p:spPr>
+        <p:txBody>
+          <a:bodyPr wrap="none" rtlCol="0">
+            <a:spAutoFit/>
+          </a:bodyPr>
+          <a:lstStyle/>
+          <a:p>
+            <a:r>
+              <a:rPr lang="ko-KR" altLang="en-US" sz="1200" dirty="0" smtClean="0"/>
+              <a:t>주문내역리스트</a:t>
+            </a:r>
+            <a:endParaRPr lang="en-US" altLang="ko-KR" sz="1200" dirty="0" smtClean="0"/>
+          </a:p>
+        </p:txBody>
+      </p:sp>
+      <p:sp>
+        <p:nvSpPr>
+          <p:cNvPr id="89" name="직사각형 88"/>
+          <p:cNvSpPr/>
+          <p:nvPr/>
+        </p:nvSpPr>
+        <p:spPr>
+          <a:xfrm>
+            <a:off x="1913556" y="1315825"/>
+            <a:ext cx="1240746" cy="735799"/>
+          </a:xfrm>
+          <a:prstGeom prst="rect">
+            <a:avLst/>
+          </a:prstGeom>
+        </p:spPr>
+        <p:style>
+          <a:lnRef idx="2">
+            <a:schemeClr val="accent1">
+              <a:shade val="50000"/>
+            </a:schemeClr>
+          </a:lnRef>
+          <a:fillRef idx="1">
+            <a:schemeClr val="accent1"/>
+          </a:fillRef>
+          <a:effectRef idx="0">
+            <a:schemeClr val="accent1"/>
+          </a:effectRef>
+          <a:fontRef idx="minor">
+            <a:schemeClr val="lt1"/>
+          </a:fontRef>
+        </p:style>
+        <p:txBody>
+          <a:bodyPr rtlCol="0" anchor="ctr"/>
+          <a:lstStyle/>
+          <a:p>
+            <a:pPr algn="ctr"/>
+            <a:r>
+              <a:rPr lang="ko-KR" altLang="en-US" sz="1400" b="1" dirty="0" smtClean="0">
+                <a:solidFill>
+                  <a:schemeClr val="tx1"/>
+                </a:solidFill>
+              </a:rPr>
+              <a:t>주문 내역</a:t>
+            </a:r>
+            <a:endParaRPr lang="ko-KR" altLang="en-US" sz="1400" b="1" dirty="0">
+              <a:solidFill>
+                <a:schemeClr val="tx1"/>
+              </a:solidFill>
+            </a:endParaRPr>
+          </a:p>
+        </p:txBody>
+      </p:sp>
+      <p:cxnSp>
+        <p:nvCxnSpPr>
+          <p:cNvPr id="91" name="직선 화살표 연결선 90"/>
+          <p:cNvCxnSpPr/>
+          <p:nvPr/>
+        </p:nvCxnSpPr>
+        <p:spPr>
+          <a:xfrm flipH="1">
+            <a:off x="3175895" y="1304668"/>
+            <a:ext cx="701293" cy="240391"/>
+          </a:xfrm>
+          <a:prstGeom prst="straightConnector1">
+            <a:avLst/>
+          </a:prstGeom>
+          <a:ln>
+            <a:tailEnd type="arrow"/>
+          </a:ln>
+        </p:spPr>
+        <p:style>
+          <a:lnRef idx="1">
+            <a:schemeClr val="accent1"/>
+          </a:lnRef>
+          <a:fillRef idx="0">
+            <a:schemeClr val="accent1"/>
+          </a:fillRef>
+          <a:effectRef idx="0">
+            <a:schemeClr val="accent1"/>
+          </a:effectRef>
+          <a:fontRef idx="minor">
+            <a:schemeClr val="tx1"/>
+          </a:fontRef>
+        </p:style>
+      </p:cxnSp>
+      <p:sp>
+        <p:nvSpPr>
+          <p:cNvPr id="93" name="TextBox 92"/>
+          <p:cNvSpPr txBox="1"/>
+          <p:nvPr/>
+        </p:nvSpPr>
+        <p:spPr>
+          <a:xfrm>
+            <a:off x="2790786" y="947406"/>
+            <a:ext cx="1107996" cy="276999"/>
+          </a:xfrm>
+          <a:prstGeom prst="rect">
+            <a:avLst/>
+          </a:prstGeom>
+          <a:noFill/>
+        </p:spPr>
+        <p:txBody>
+          <a:bodyPr wrap="none" rtlCol="0">
+            <a:spAutoFit/>
+          </a:bodyPr>
+          <a:lstStyle/>
+          <a:p>
+            <a:r>
+              <a:rPr lang="ko-KR" altLang="en-US" sz="1200" dirty="0" smtClean="0"/>
+              <a:t>주문내역결과</a:t>
+            </a:r>
+            <a:endParaRPr lang="en-US" altLang="ko-KR" sz="1200" dirty="0" smtClean="0"/>
           </a:p>
         </p:txBody>
       </p:sp>
     </p:spTree>
     <p:extLst>
       <p:ext uri="{BB962C8B-B14F-4D97-AF65-F5344CB8AC3E}">
-        <p14:creationId xmlns:p14="http://schemas.microsoft.com/office/powerpoint/2010/main" val="1469345451"/>
+        <p14:creationId xmlns:p14="http://schemas.microsoft.com/office/powerpoint/2010/main" val="2315937089"/>
       </p:ext>
     </p:extLst>
   </p:cSld>
@@ -5525,6 +8909,275 @@
       </p:grpSpPr>
       <p:sp>
         <p:nvSpPr>
+          <p:cNvPr id="2" name="제목 1"/>
+          <p:cNvSpPr>
+            <a:spLocks noGrp="1"/>
+          </p:cNvSpPr>
+          <p:nvPr>
+            <p:ph type="title"/>
+          </p:nvPr>
+        </p:nvSpPr>
+        <p:spPr/>
+        <p:txBody>
+          <a:bodyPr/>
+          <a:lstStyle/>
+          <a:p>
+            <a:r>
+              <a:rPr lang="en-US" altLang="ko-KR" dirty="0" smtClean="0"/>
+              <a:t>DFD</a:t>
+            </a:r>
+            <a:endParaRPr lang="ko-KR" altLang="en-US" dirty="0"/>
+          </a:p>
+        </p:txBody>
+      </p:sp>
+      <p:sp>
+        <p:nvSpPr>
+          <p:cNvPr id="3" name="내용 개체 틀 2"/>
+          <p:cNvSpPr>
+            <a:spLocks noGrp="1"/>
+          </p:cNvSpPr>
+          <p:nvPr>
+            <p:ph sz="quarter" idx="10"/>
+          </p:nvPr>
+        </p:nvSpPr>
+        <p:spPr>
+          <a:xfrm>
+            <a:off x="63501" y="773705"/>
+            <a:ext cx="8963994" cy="6030670"/>
+          </a:xfrm>
+        </p:spPr>
+        <p:txBody>
+          <a:bodyPr>
+            <a:normAutofit/>
+          </a:bodyPr>
+          <a:lstStyle/>
+          <a:p>
+            <a:pPr lvl="1"/>
+            <a:endParaRPr lang="en-US" altLang="ko-KR" dirty="0" smtClean="0"/>
+          </a:p>
+          <a:p>
+            <a:pPr lvl="1"/>
+            <a:endParaRPr lang="en-US" altLang="ko-KR" dirty="0"/>
+          </a:p>
+          <a:p>
+            <a:pPr lvl="1"/>
+            <a:endParaRPr lang="en-US" altLang="ko-KR" dirty="0" smtClean="0"/>
+          </a:p>
+          <a:p>
+            <a:pPr lvl="1"/>
+            <a:endParaRPr lang="en-US" altLang="ko-KR" dirty="0"/>
+          </a:p>
+          <a:p>
+            <a:pPr lvl="1"/>
+            <a:endParaRPr lang="en-US" altLang="ko-KR" dirty="0" smtClean="0"/>
+          </a:p>
+          <a:p>
+            <a:pPr lvl="1"/>
+            <a:endParaRPr lang="en-US" altLang="ko-KR" dirty="0"/>
+          </a:p>
+          <a:p>
+            <a:pPr lvl="1"/>
+            <a:endParaRPr lang="en-US" altLang="ko-KR" dirty="0" smtClean="0"/>
+          </a:p>
+          <a:p>
+            <a:pPr lvl="1"/>
+            <a:endParaRPr lang="en-US" altLang="ko-KR" dirty="0"/>
+          </a:p>
+          <a:p>
+            <a:pPr lvl="1"/>
+            <a:endParaRPr lang="en-US" altLang="ko-KR" dirty="0" smtClean="0"/>
+          </a:p>
+          <a:p>
+            <a:pPr lvl="1"/>
+            <a:endParaRPr lang="en-US" altLang="ko-KR" dirty="0"/>
+          </a:p>
+          <a:p>
+            <a:pPr lvl="1"/>
+            <a:r>
+              <a:rPr lang="en-US" altLang="ko-KR" dirty="0" smtClean="0"/>
+              <a:t>Terminator: </a:t>
+            </a:r>
+            <a:r>
+              <a:rPr lang="ko-KR" altLang="en-US" dirty="0" err="1" smtClean="0"/>
+              <a:t>출원지</a:t>
+            </a:r>
+            <a:r>
+              <a:rPr lang="en-US" altLang="ko-KR" dirty="0" smtClean="0"/>
+              <a:t>, </a:t>
+            </a:r>
+            <a:r>
+              <a:rPr lang="ko-KR" altLang="en-US" dirty="0" smtClean="0"/>
+              <a:t>목적지를 나타냄</a:t>
+            </a:r>
+            <a:r>
+              <a:rPr lang="en-US" altLang="ko-KR" dirty="0" smtClean="0"/>
+              <a:t>(</a:t>
+            </a:r>
+            <a:r>
+              <a:rPr lang="ko-KR" altLang="en-US" dirty="0" smtClean="0"/>
+              <a:t>학생</a:t>
+            </a:r>
+            <a:r>
+              <a:rPr lang="en-US" altLang="ko-KR" dirty="0" smtClean="0"/>
+              <a:t>, </a:t>
+            </a:r>
+            <a:r>
+              <a:rPr lang="ko-KR" altLang="en-US" dirty="0" smtClean="0"/>
+              <a:t>교수</a:t>
+            </a:r>
+            <a:r>
+              <a:rPr lang="en-US" altLang="ko-KR" dirty="0" smtClean="0"/>
+              <a:t>)</a:t>
+            </a:r>
+          </a:p>
+          <a:p>
+            <a:pPr lvl="1"/>
+            <a:r>
+              <a:rPr lang="en-US" altLang="ko-KR" dirty="0" smtClean="0"/>
+              <a:t>data flow: </a:t>
+            </a:r>
+            <a:r>
+              <a:rPr lang="ko-KR" altLang="en-US" dirty="0" smtClean="0"/>
+              <a:t>자료의 흐름을 나타냄</a:t>
+            </a:r>
+            <a:r>
+              <a:rPr lang="en-US" altLang="ko-KR" dirty="0" smtClean="0"/>
+              <a:t>(</a:t>
+            </a:r>
+            <a:r>
+              <a:rPr lang="ko-KR" altLang="en-US" dirty="0" smtClean="0"/>
+              <a:t>화살표</a:t>
+            </a:r>
+            <a:r>
+              <a:rPr lang="en-US" altLang="ko-KR" dirty="0" smtClean="0"/>
+              <a:t>)</a:t>
+            </a:r>
+          </a:p>
+          <a:p>
+            <a:pPr lvl="1"/>
+            <a:r>
+              <a:rPr lang="en-US" altLang="ko-KR" dirty="0" smtClean="0"/>
+              <a:t>data store: </a:t>
+            </a:r>
+            <a:r>
+              <a:rPr lang="ko-KR" altLang="en-US" dirty="0" smtClean="0"/>
+              <a:t>자료가 저장되는 곳을 나타냄</a:t>
+            </a:r>
+            <a:r>
+              <a:rPr lang="en-US" altLang="ko-KR" dirty="0" smtClean="0"/>
+              <a:t>(</a:t>
+            </a:r>
+            <a:r>
+              <a:rPr lang="ko-KR" altLang="en-US" dirty="0" smtClean="0"/>
+              <a:t>데이터베이스</a:t>
+            </a:r>
+            <a:r>
+              <a:rPr lang="en-US" altLang="ko-KR" dirty="0" smtClean="0"/>
+              <a:t>(</a:t>
+            </a:r>
+            <a:r>
+              <a:rPr lang="ko-KR" altLang="en-US" dirty="0" smtClean="0"/>
+              <a:t>테이블</a:t>
+            </a:r>
+            <a:r>
+              <a:rPr lang="en-US" altLang="ko-KR" dirty="0" smtClean="0"/>
+              <a:t>)</a:t>
+            </a:r>
+          </a:p>
+          <a:p>
+            <a:pPr lvl="1"/>
+            <a:r>
+              <a:rPr lang="en-US" altLang="ko-KR" dirty="0" smtClean="0"/>
+              <a:t>Process: </a:t>
+            </a:r>
+            <a:r>
+              <a:rPr lang="ko-KR" altLang="en-US" dirty="0" smtClean="0"/>
+              <a:t>자료를 입력 받아 처리하는 알고리즘</a:t>
+            </a:r>
+            <a:r>
+              <a:rPr lang="en-US" altLang="ko-KR" dirty="0" smtClean="0"/>
+              <a:t>(</a:t>
+            </a:r>
+            <a:r>
+              <a:rPr lang="ko-KR" altLang="en-US" dirty="0" smtClean="0"/>
+              <a:t>성적 계산</a:t>
+            </a:r>
+            <a:r>
+              <a:rPr lang="en-US" altLang="ko-KR" dirty="0" smtClean="0"/>
+              <a:t>)</a:t>
+            </a:r>
+          </a:p>
+        </p:txBody>
+      </p:sp>
+      <p:pic>
+        <p:nvPicPr>
+          <p:cNvPr id="4" name="그림 3"/>
+          <p:cNvPicPr>
+            <a:picLocks noChangeAspect="1"/>
+          </p:cNvPicPr>
+          <p:nvPr/>
+        </p:nvPicPr>
+        <p:blipFill>
+          <a:blip r:embed="rId2">
+            <a:extLst>
+              <a:ext uri="{28A0092B-C50C-407E-A947-70E740481C1C}">
+                <a14:useLocalDpi xmlns:a14="http://schemas.microsoft.com/office/drawing/2010/main" val="0"/>
+              </a:ext>
+            </a:extLst>
+          </a:blip>
+          <a:stretch>
+            <a:fillRect/>
+          </a:stretch>
+        </p:blipFill>
+        <p:spPr>
+          <a:xfrm>
+            <a:off x="1826695" y="728698"/>
+            <a:ext cx="5529948" cy="3678919"/>
+          </a:xfrm>
+          <a:prstGeom prst="rect">
+            <a:avLst/>
+          </a:prstGeom>
+        </p:spPr>
+      </p:pic>
+    </p:spTree>
+    <p:extLst>
+      <p:ext uri="{BB962C8B-B14F-4D97-AF65-F5344CB8AC3E}">
+        <p14:creationId xmlns:p14="http://schemas.microsoft.com/office/powerpoint/2010/main" val="3464595216"/>
+      </p:ext>
+    </p:extLst>
+  </p:cSld>
+  <p:clrMapOvr>
+    <a:masterClrMapping/>
+  </p:clrMapOvr>
+  <p:timing>
+    <p:tnLst>
+      <p:par>
+        <p:cTn id="1" dur="indefinite" restart="never" nodeType="tmRoot"/>
+      </p:par>
+    </p:tnLst>
+  </p:timing>
+</p:sld>
+</file>
+
+<file path=ppt/slides/slide6.xml><?xml version="1.0" encoding="utf-8"?>
+<p:sld xmlns:a="http://schemas.openxmlformats.org/drawingml/2006/main" xmlns:r="http://schemas.openxmlformats.org/officeDocument/2006/relationships" xmlns:p="http://schemas.openxmlformats.org/presentationml/2006/main">
+  <p:cSld>
+    <p:spTree>
+      <p:nvGrpSpPr>
+        <p:cNvPr id="1" name=""/>
+        <p:cNvGrpSpPr/>
+        <p:nvPr/>
+      </p:nvGrpSpPr>
+      <p:grpSpPr>
+        <a:xfrm>
+          <a:off x="0" y="0"/>
+          <a:ext cx="0" cy="0"/>
+          <a:chOff x="0" y="0"/>
+          <a:chExt cx="0" cy="0"/>
+        </a:xfrm>
+      </p:grpSpPr>
+      <p:sp>
+        <p:nvSpPr>
           <p:cNvPr id="2" name="슬라이드 번호 개체 틀 1"/>
           <p:cNvSpPr>
             <a:spLocks noGrp="1"/>
@@ -5541,7 +9194,188 @@
             <a:fld id="{8E974B11-60DB-405B-8211-256C6E064270}" type="slidenum">
               <a:rPr lang="ko-KR" altLang="en-US" smtClean="0"/>
               <a:pPr/>
-              <a:t>5</a:t>
+              <a:t>6</a:t>
+            </a:fld>
+            <a:endParaRPr lang="ko-KR" altLang="en-US" dirty="0"/>
+          </a:p>
+        </p:txBody>
+      </p:sp>
+      <p:pic>
+        <p:nvPicPr>
+          <p:cNvPr id="3" name="그림 2" descr="dfd검색"/>
+          <p:cNvPicPr/>
+          <p:nvPr/>
+        </p:nvPicPr>
+        <p:blipFill>
+          <a:blip r:embed="rId2" cstate="print">
+            <a:extLst>
+              <a:ext uri="{28A0092B-C50C-407E-A947-70E740481C1C}">
+                <a14:useLocalDpi xmlns:a14="http://schemas.microsoft.com/office/drawing/2010/main" val="0"/>
+              </a:ext>
+            </a:extLst>
+          </a:blip>
+          <a:srcRect/>
+          <a:stretch>
+            <a:fillRect/>
+          </a:stretch>
+        </p:blipFill>
+        <p:spPr bwMode="auto">
+          <a:xfrm>
+            <a:off x="1115616" y="1095941"/>
+            <a:ext cx="6984776" cy="5011757"/>
+          </a:xfrm>
+          <a:prstGeom prst="rect">
+            <a:avLst/>
+          </a:prstGeom>
+          <a:noFill/>
+          <a:ln w="6350" cmpd="sng">
+            <a:solidFill>
+              <a:schemeClr val="bg1">
+                <a:lumMod val="65000"/>
+                <a:lumOff val="0"/>
+              </a:schemeClr>
+            </a:solidFill>
+            <a:miter lim="800000"/>
+            <a:headEnd/>
+            <a:tailEnd/>
+          </a:ln>
+          <a:effectLst/>
+        </p:spPr>
+      </p:pic>
+      <p:sp>
+        <p:nvSpPr>
+          <p:cNvPr id="4" name="TextBox 3"/>
+          <p:cNvSpPr txBox="1"/>
+          <p:nvPr/>
+        </p:nvSpPr>
+        <p:spPr>
+          <a:xfrm>
+            <a:off x="323527" y="107340"/>
+            <a:ext cx="5904657" cy="369332"/>
+          </a:xfrm>
+          <a:prstGeom prst="rect">
+            <a:avLst/>
+          </a:prstGeom>
+          <a:noFill/>
+        </p:spPr>
+        <p:txBody>
+          <a:bodyPr wrap="square" rtlCol="0">
+            <a:spAutoFit/>
+          </a:bodyPr>
+          <a:lstStyle/>
+          <a:p>
+            <a:r>
+              <a:rPr lang="ko-KR" altLang="en-US" b="1" smtClean="0">
+                <a:solidFill>
+                  <a:srgbClr val="756B5F"/>
+                </a:solidFill>
+              </a:rPr>
+              <a:t>핵심 기능 </a:t>
+            </a:r>
+            <a:r>
+              <a:rPr lang="en-US" altLang="ko-KR" b="1">
+                <a:solidFill>
+                  <a:srgbClr val="756B5F"/>
+                </a:solidFill>
+              </a:rPr>
+              <a:t>DFD(Data Flow Diagram) </a:t>
+            </a:r>
+            <a:r>
+              <a:rPr lang="en-US" altLang="ko-KR" b="1" dirty="0" smtClean="0">
+                <a:solidFill>
+                  <a:srgbClr val="756B5F"/>
+                </a:solidFill>
+              </a:rPr>
+              <a:t>– </a:t>
+            </a:r>
+            <a:r>
+              <a:rPr lang="ko-KR" altLang="en-US" b="1" dirty="0" smtClean="0">
+                <a:solidFill>
+                  <a:srgbClr val="756B5F"/>
+                </a:solidFill>
+              </a:rPr>
+              <a:t>도서</a:t>
+            </a:r>
+            <a:r>
+              <a:rPr lang="en-US" altLang="ko-KR" b="1" dirty="0" smtClean="0">
+                <a:solidFill>
+                  <a:srgbClr val="756B5F"/>
+                </a:solidFill>
+              </a:rPr>
+              <a:t> </a:t>
+            </a:r>
+            <a:r>
+              <a:rPr lang="ko-KR" altLang="en-US" b="1" dirty="0" smtClean="0">
+                <a:solidFill>
+                  <a:srgbClr val="756B5F"/>
+                </a:solidFill>
+              </a:rPr>
+              <a:t>검색</a:t>
+            </a:r>
+            <a:endParaRPr lang="ko-KR" altLang="en-US" b="1" dirty="0">
+              <a:solidFill>
+                <a:srgbClr val="756B5F"/>
+              </a:solidFill>
+            </a:endParaRPr>
+          </a:p>
+        </p:txBody>
+      </p:sp>
+    </p:spTree>
+    <p:extLst>
+      <p:ext uri="{BB962C8B-B14F-4D97-AF65-F5344CB8AC3E}">
+        <p14:creationId xmlns:p14="http://schemas.microsoft.com/office/powerpoint/2010/main" val="1469345451"/>
+      </p:ext>
+    </p:extLst>
+  </p:cSld>
+  <p:clrMapOvr>
+    <a:masterClrMapping/>
+  </p:clrMapOvr>
+  <p:timing>
+    <p:tnLst>
+      <p:par>
+        <p:cTn id="1" dur="indefinite" restart="never" nodeType="tmRoot"/>
+      </p:par>
+    </p:tnLst>
+  </p:timing>
+</p:sld>
+</file>
+
+<file path=ppt/slides/slide7.xml><?xml version="1.0" encoding="utf-8"?>
+<p:sld xmlns:a="http://schemas.openxmlformats.org/drawingml/2006/main" xmlns:r="http://schemas.openxmlformats.org/officeDocument/2006/relationships" xmlns:p="http://schemas.openxmlformats.org/presentationml/2006/main">
+  <p:cSld>
+    <p:spTree>
+      <p:nvGrpSpPr>
+        <p:cNvPr id="1" name=""/>
+        <p:cNvGrpSpPr/>
+        <p:nvPr/>
+      </p:nvGrpSpPr>
+      <p:grpSpPr>
+        <a:xfrm>
+          <a:off x="0" y="0"/>
+          <a:ext cx="0" cy="0"/>
+          <a:chOff x="0" y="0"/>
+          <a:chExt cx="0" cy="0"/>
+        </a:xfrm>
+      </p:grpSpPr>
+      <p:sp>
+        <p:nvSpPr>
+          <p:cNvPr id="2" name="슬라이드 번호 개체 틀 1"/>
+          <p:cNvSpPr>
+            <a:spLocks noGrp="1"/>
+          </p:cNvSpPr>
+          <p:nvPr>
+            <p:ph type="sldNum" sz="quarter" idx="12"/>
+          </p:nvPr>
+        </p:nvSpPr>
+        <p:spPr/>
+        <p:txBody>
+          <a:bodyPr/>
+          <a:lstStyle/>
+          <a:p>
+            <a:fld id="{8E974B11-60DB-405B-8211-256C6E064270}" type="slidenum">
+              <a:rPr lang="ko-KR" altLang="en-US" smtClean="0"/>
+              <a:pPr/>
+              <a:t>7</a:t>
             </a:fld>
             <a:endParaRPr lang="ko-KR" altLang="en-US" dirty="0"/>
           </a:p>
